--- a/Exploring climate data’s relevance to predict energy consumption.pptx
+++ b/Exploring climate data’s relevance to predict energy consumption.pptx
@@ -5,7 +5,7 @@
     <p:sldMasterId id="2147483761" r:id="rId1"/>
   </p:sldMasterIdLst>
   <p:notesMasterIdLst>
-    <p:notesMasterId r:id="rId23"/>
+    <p:notesMasterId r:id="rId22"/>
   </p:notesMasterIdLst>
   <p:sldIdLst>
     <p:sldId id="256" r:id="rId2"/>
@@ -18,17 +18,16 @@
     <p:sldId id="263" r:id="rId9"/>
     <p:sldId id="264" r:id="rId10"/>
     <p:sldId id="265" r:id="rId11"/>
-    <p:sldId id="266" r:id="rId12"/>
-    <p:sldId id="267" r:id="rId13"/>
-    <p:sldId id="268" r:id="rId14"/>
-    <p:sldId id="269" r:id="rId15"/>
-    <p:sldId id="270" r:id="rId16"/>
-    <p:sldId id="271" r:id="rId17"/>
-    <p:sldId id="272" r:id="rId18"/>
-    <p:sldId id="273" r:id="rId19"/>
-    <p:sldId id="274" r:id="rId20"/>
-    <p:sldId id="276" r:id="rId21"/>
-    <p:sldId id="275" r:id="rId22"/>
+    <p:sldId id="267" r:id="rId12"/>
+    <p:sldId id="268" r:id="rId13"/>
+    <p:sldId id="269" r:id="rId14"/>
+    <p:sldId id="270" r:id="rId15"/>
+    <p:sldId id="271" r:id="rId16"/>
+    <p:sldId id="272" r:id="rId17"/>
+    <p:sldId id="273" r:id="rId18"/>
+    <p:sldId id="274" r:id="rId19"/>
+    <p:sldId id="276" r:id="rId20"/>
+    <p:sldId id="275" r:id="rId21"/>
   </p:sldIdLst>
   <p:sldSz cx="12192000" cy="6858000"/>
   <p:notesSz cx="6858000" cy="9144000"/>
@@ -127,13 +126,18 @@
       </a:defRPr>
     </a:lvl9pPr>
   </p:defaultTextStyle>
+  <p:extLst>
+    <p:ext uri="{EFAFB233-063F-42B5-8137-9DF3F51BA10A}">
+      <p15:sldGuideLst xmlns:p15="http://schemas.microsoft.com/office/powerpoint/2012/main"/>
+    </p:ext>
+  </p:extLst>
 </p:presentation>
 </file>
 
 <file path=ppt/revisionInfo.xml><?xml version="1.0" encoding="utf-8"?>
 <p1510:revInfo xmlns:a="http://schemas.openxmlformats.org/drawingml/2006/main" xmlns:r="http://schemas.openxmlformats.org/officeDocument/2006/relationships" xmlns:p1510="http://schemas.microsoft.com/office/powerpoint/2015/10/main">
   <p1510:revLst>
-    <p1510:client id="{7F6AA87F-2719-4F4F-AE1C-C2661332DAC4}" v="11" dt="2022-06-15T20:16:23.750"/>
+    <p1510:client id="{7F6AA87F-2719-4F4F-AE1C-C2661332DAC4}" v="13" dt="2022-06-16T07:37:28.071"/>
   </p1510:revLst>
 </p1510:revInfo>
 </file>
@@ -142,19 +146,34 @@
 <pc:chgInfo xmlns:a="http://schemas.openxmlformats.org/drawingml/2006/main" xmlns:r="http://schemas.openxmlformats.org/officeDocument/2006/relationships" xmlns:ac="http://schemas.microsoft.com/office/drawing/2013/main/command" xmlns:pc="http://schemas.microsoft.com/office/powerpoint/2013/main/command">
   <pc:docChgLst>
     <pc:chgData name="Mathias Østergaard" userId="a5d1e7bd90b8f6c9" providerId="LiveId" clId="{7F6AA87F-2719-4F4F-AE1C-C2661332DAC4}"/>
-    <pc:docChg chg="undo custSel addSld modSld">
-      <pc:chgData name="Mathias Østergaard" userId="a5d1e7bd90b8f6c9" providerId="LiveId" clId="{7F6AA87F-2719-4F4F-AE1C-C2661332DAC4}" dt="2022-06-15T22:52:49.771" v="3097" actId="20577"/>
+    <pc:docChg chg="undo custSel addSld delSld modSld">
+      <pc:chgData name="Mathias Østergaard" userId="a5d1e7bd90b8f6c9" providerId="LiveId" clId="{7F6AA87F-2719-4F4F-AE1C-C2661332DAC4}" dt="2022-06-16T07:48:09.919" v="3199" actId="20577"/>
       <pc:docMkLst>
         <pc:docMk/>
       </pc:docMkLst>
+      <pc:sldChg chg="modSp mod">
+        <pc:chgData name="Mathias Østergaard" userId="a5d1e7bd90b8f6c9" providerId="LiveId" clId="{7F6AA87F-2719-4F4F-AE1C-C2661332DAC4}" dt="2022-06-16T06:47:43.310" v="3099" actId="20577"/>
+        <pc:sldMkLst>
+          <pc:docMk/>
+          <pc:sldMk cId="2292257844" sldId="258"/>
+        </pc:sldMkLst>
+        <pc:spChg chg="mod">
+          <ac:chgData name="Mathias Østergaard" userId="a5d1e7bd90b8f6c9" providerId="LiveId" clId="{7F6AA87F-2719-4F4F-AE1C-C2661332DAC4}" dt="2022-06-16T06:47:43.310" v="3099" actId="20577"/>
+          <ac:spMkLst>
+            <pc:docMk/>
+            <pc:sldMk cId="2292257844" sldId="258"/>
+            <ac:spMk id="27" creationId="{5C5A1A31-D1C5-3CA5-2539-D5EB22898AB9}"/>
+          </ac:spMkLst>
+        </pc:spChg>
+      </pc:sldChg>
       <pc:sldChg chg="addSp modSp mod setBg">
-        <pc:chgData name="Mathias Østergaard" userId="a5d1e7bd90b8f6c9" providerId="LiveId" clId="{7F6AA87F-2719-4F4F-AE1C-C2661332DAC4}" dt="2022-06-15T15:44:23.154" v="179" actId="20577"/>
+        <pc:chgData name="Mathias Østergaard" userId="a5d1e7bd90b8f6c9" providerId="LiveId" clId="{7F6AA87F-2719-4F4F-AE1C-C2661332DAC4}" dt="2022-06-16T07:18:58.929" v="3103" actId="20577"/>
         <pc:sldMkLst>
           <pc:docMk/>
           <pc:sldMk cId="1519990064" sldId="261"/>
         </pc:sldMkLst>
         <pc:spChg chg="mod">
-          <ac:chgData name="Mathias Østergaard" userId="a5d1e7bd90b8f6c9" providerId="LiveId" clId="{7F6AA87F-2719-4F4F-AE1C-C2661332DAC4}" dt="2022-06-15T15:43:05.317" v="78" actId="26606"/>
+          <ac:chgData name="Mathias Østergaard" userId="a5d1e7bd90b8f6c9" providerId="LiveId" clId="{7F6AA87F-2719-4F4F-AE1C-C2661332DAC4}" dt="2022-06-16T07:18:58.929" v="3103" actId="20577"/>
           <ac:spMkLst>
             <pc:docMk/>
             <pc:sldMk cId="1519990064" sldId="261"/>
@@ -211,7 +230,7 @@
         </pc:picChg>
       </pc:sldChg>
       <pc:sldChg chg="addSp modSp new mod setBg">
-        <pc:chgData name="Mathias Østergaard" userId="a5d1e7bd90b8f6c9" providerId="LiveId" clId="{7F6AA87F-2719-4F4F-AE1C-C2661332DAC4}" dt="2022-06-15T15:55:08.993" v="341" actId="1076"/>
+        <pc:chgData name="Mathias Østergaard" userId="a5d1e7bd90b8f6c9" providerId="LiveId" clId="{7F6AA87F-2719-4F4F-AE1C-C2661332DAC4}" dt="2022-06-16T07:19:42.464" v="3104" actId="790"/>
         <pc:sldMkLst>
           <pc:docMk/>
           <pc:sldMk cId="1689849209" sldId="262"/>
@@ -225,7 +244,7 @@
           </ac:spMkLst>
         </pc:spChg>
         <pc:spChg chg="mod">
-          <ac:chgData name="Mathias Østergaard" userId="a5d1e7bd90b8f6c9" providerId="LiveId" clId="{7F6AA87F-2719-4F4F-AE1C-C2661332DAC4}" dt="2022-06-15T15:54:49.603" v="332" actId="26606"/>
+          <ac:chgData name="Mathias Østergaard" userId="a5d1e7bd90b8f6c9" providerId="LiveId" clId="{7F6AA87F-2719-4F4F-AE1C-C2661332DAC4}" dt="2022-06-16T07:19:42.464" v="3104" actId="790"/>
           <ac:spMkLst>
             <pc:docMk/>
             <pc:sldMk cId="1689849209" sldId="262"/>
@@ -250,7 +269,7 @@
         </pc:picChg>
       </pc:sldChg>
       <pc:sldChg chg="addSp delSp modSp new mod setBg">
-        <pc:chgData name="Mathias Østergaard" userId="a5d1e7bd90b8f6c9" providerId="LiveId" clId="{7F6AA87F-2719-4F4F-AE1C-C2661332DAC4}" dt="2022-06-15T16:24:32.622" v="528" actId="20577"/>
+        <pc:chgData name="Mathias Østergaard" userId="a5d1e7bd90b8f6c9" providerId="LiveId" clId="{7F6AA87F-2719-4F4F-AE1C-C2661332DAC4}" dt="2022-06-16T07:20:29.466" v="3107"/>
         <pc:sldMkLst>
           <pc:docMk/>
           <pc:sldMk cId="7650851" sldId="263"/>
@@ -264,7 +283,7 @@
           </ac:spMkLst>
         </pc:spChg>
         <pc:spChg chg="mod">
-          <ac:chgData name="Mathias Østergaard" userId="a5d1e7bd90b8f6c9" providerId="LiveId" clId="{7F6AA87F-2719-4F4F-AE1C-C2661332DAC4}" dt="2022-06-15T16:24:32.622" v="528" actId="20577"/>
+          <ac:chgData name="Mathias Østergaard" userId="a5d1e7bd90b8f6c9" providerId="LiveId" clId="{7F6AA87F-2719-4F4F-AE1C-C2661332DAC4}" dt="2022-06-16T07:20:29.466" v="3107"/>
           <ac:spMkLst>
             <pc:docMk/>
             <pc:sldMk cId="7650851" sldId="263"/>
@@ -423,14 +442,14 @@
           </ac:picMkLst>
         </pc:picChg>
       </pc:sldChg>
-      <pc:sldChg chg="addSp delSp modSp new mod">
-        <pc:chgData name="Mathias Østergaard" userId="a5d1e7bd90b8f6c9" providerId="LiveId" clId="{7F6AA87F-2719-4F4F-AE1C-C2661332DAC4}" dt="2022-06-15T18:42:22.048" v="935" actId="20577"/>
+      <pc:sldChg chg="addSp delSp modSp new mod setBg">
+        <pc:chgData name="Mathias Østergaard" userId="a5d1e7bd90b8f6c9" providerId="LiveId" clId="{7F6AA87F-2719-4F4F-AE1C-C2661332DAC4}" dt="2022-06-16T07:37:30.185" v="3126" actId="26606"/>
         <pc:sldMkLst>
           <pc:docMk/>
           <pc:sldMk cId="894085660" sldId="265"/>
         </pc:sldMkLst>
         <pc:spChg chg="mod">
-          <ac:chgData name="Mathias Østergaard" userId="a5d1e7bd90b8f6c9" providerId="LiveId" clId="{7F6AA87F-2719-4F4F-AE1C-C2661332DAC4}" dt="2022-06-15T18:39:29.821" v="724" actId="20577"/>
+          <ac:chgData name="Mathias Østergaard" userId="a5d1e7bd90b8f6c9" providerId="LiveId" clId="{7F6AA87F-2719-4F4F-AE1C-C2661332DAC4}" dt="2022-06-16T07:33:45.960" v="3109" actId="26606"/>
           <ac:spMkLst>
             <pc:docMk/>
             <pc:sldMk cId="894085660" sldId="265"/>
@@ -438,11 +457,27 @@
           </ac:spMkLst>
         </pc:spChg>
         <pc:spChg chg="mod">
-          <ac:chgData name="Mathias Østergaard" userId="a5d1e7bd90b8f6c9" providerId="LiveId" clId="{7F6AA87F-2719-4F4F-AE1C-C2661332DAC4}" dt="2022-06-15T18:42:22.048" v="935" actId="20577"/>
+          <ac:chgData name="Mathias Østergaard" userId="a5d1e7bd90b8f6c9" providerId="LiveId" clId="{7F6AA87F-2719-4F4F-AE1C-C2661332DAC4}" dt="2022-06-16T07:37:30.185" v="3126" actId="26606"/>
           <ac:spMkLst>
             <pc:docMk/>
             <pc:sldMk cId="894085660" sldId="265"/>
             <ac:spMk id="3" creationId="{5164AA2D-DFD7-DE84-CDD3-CBBB36E921A3}"/>
+          </ac:spMkLst>
+        </pc:spChg>
+        <pc:spChg chg="add del">
+          <ac:chgData name="Mathias Østergaard" userId="a5d1e7bd90b8f6c9" providerId="LiveId" clId="{7F6AA87F-2719-4F4F-AE1C-C2661332DAC4}" dt="2022-06-16T07:37:30.185" v="3126" actId="26606"/>
+          <ac:spMkLst>
+            <pc:docMk/>
+            <pc:sldMk cId="894085660" sldId="265"/>
+            <ac:spMk id="10" creationId="{B9F89C22-0475-4427-B7C8-0269AD40E3EC}"/>
+          </ac:spMkLst>
+        </pc:spChg>
+        <pc:spChg chg="add">
+          <ac:chgData name="Mathias Østergaard" userId="a5d1e7bd90b8f6c9" providerId="LiveId" clId="{7F6AA87F-2719-4F4F-AE1C-C2661332DAC4}" dt="2022-06-16T07:37:30.185" v="3126" actId="26606"/>
+          <ac:spMkLst>
+            <pc:docMk/>
+            <pc:sldMk cId="894085660" sldId="265"/>
+            <ac:spMk id="15" creationId="{B9F89C22-0475-4427-B7C8-0269AD40E3EC}"/>
           </ac:spMkLst>
         </pc:spChg>
         <pc:picChg chg="add del mod">
@@ -453,9 +488,25 @@
             <ac:picMk id="5" creationId="{21CC0B8E-8322-13BE-BF7B-038BA7A06D61}"/>
           </ac:picMkLst>
         </pc:picChg>
+        <pc:picChg chg="add del mod">
+          <ac:chgData name="Mathias Østergaard" userId="a5d1e7bd90b8f6c9" providerId="LiveId" clId="{7F6AA87F-2719-4F4F-AE1C-C2661332DAC4}" dt="2022-06-16T07:37:25.811" v="3124" actId="478"/>
+          <ac:picMkLst>
+            <pc:docMk/>
+            <pc:sldMk cId="894085660" sldId="265"/>
+            <ac:picMk id="5" creationId="{5F208FB5-6E8D-F372-08C6-0950A0F8948F}"/>
+          </ac:picMkLst>
+        </pc:picChg>
+        <pc:picChg chg="add mod">
+          <ac:chgData name="Mathias Østergaard" userId="a5d1e7bd90b8f6c9" providerId="LiveId" clId="{7F6AA87F-2719-4F4F-AE1C-C2661332DAC4}" dt="2022-06-16T07:37:30.185" v="3126" actId="26606"/>
+          <ac:picMkLst>
+            <pc:docMk/>
+            <pc:sldMk cId="894085660" sldId="265"/>
+            <ac:picMk id="7" creationId="{741B5AFB-3616-57EA-7184-5FD878F6EADC}"/>
+          </ac:picMkLst>
+        </pc:picChg>
       </pc:sldChg>
-      <pc:sldChg chg="addSp delSp modSp new mod modNotesTx">
-        <pc:chgData name="Mathias Østergaard" userId="a5d1e7bd90b8f6c9" providerId="LiveId" clId="{7F6AA87F-2719-4F4F-AE1C-C2661332DAC4}" dt="2022-06-15T18:43:55.868" v="1001" actId="20577"/>
+      <pc:sldChg chg="addSp delSp modSp new del mod modNotesTx">
+        <pc:chgData name="Mathias Østergaard" userId="a5d1e7bd90b8f6c9" providerId="LiveId" clId="{7F6AA87F-2719-4F4F-AE1C-C2661332DAC4}" dt="2022-06-16T07:45:56.563" v="3127" actId="47"/>
         <pc:sldMkLst>
           <pc:docMk/>
           <pc:sldMk cId="3568432" sldId="266"/>
@@ -525,7 +576,7 @@
         </pc:spChg>
       </pc:sldChg>
       <pc:sldChg chg="addSp modSp new mod">
-        <pc:chgData name="Mathias Østergaard" userId="a5d1e7bd90b8f6c9" providerId="LiveId" clId="{7F6AA87F-2719-4F4F-AE1C-C2661332DAC4}" dt="2022-06-15T19:34:07.420" v="1274" actId="1076"/>
+        <pc:chgData name="Mathias Østergaard" userId="a5d1e7bd90b8f6c9" providerId="LiveId" clId="{7F6AA87F-2719-4F4F-AE1C-C2661332DAC4}" dt="2022-06-16T07:46:19.934" v="3131" actId="20577"/>
         <pc:sldMkLst>
           <pc:docMk/>
           <pc:sldMk cId="3937443415" sldId="268"/>
@@ -539,7 +590,7 @@
           </ac:spMkLst>
         </pc:spChg>
         <pc:spChg chg="mod">
-          <ac:chgData name="Mathias Østergaard" userId="a5d1e7bd90b8f6c9" providerId="LiveId" clId="{7F6AA87F-2719-4F4F-AE1C-C2661332DAC4}" dt="2022-06-15T19:33:53.042" v="1272" actId="20577"/>
+          <ac:chgData name="Mathias Østergaard" userId="a5d1e7bd90b8f6c9" providerId="LiveId" clId="{7F6AA87F-2719-4F4F-AE1C-C2661332DAC4}" dt="2022-06-16T07:46:19.934" v="3131" actId="20577"/>
           <ac:spMkLst>
             <pc:docMk/>
             <pc:sldMk cId="3937443415" sldId="268"/>
@@ -556,7 +607,7 @@
         </pc:picChg>
       </pc:sldChg>
       <pc:sldChg chg="addSp delSp modSp new mod setBg">
-        <pc:chgData name="Mathias Østergaard" userId="a5d1e7bd90b8f6c9" providerId="LiveId" clId="{7F6AA87F-2719-4F4F-AE1C-C2661332DAC4}" dt="2022-06-15T19:35:32.912" v="1406" actId="20577"/>
+        <pc:chgData name="Mathias Østergaard" userId="a5d1e7bd90b8f6c9" providerId="LiveId" clId="{7F6AA87F-2719-4F4F-AE1C-C2661332DAC4}" dt="2022-06-16T07:47:12.732" v="3193" actId="20577"/>
         <pc:sldMkLst>
           <pc:docMk/>
           <pc:sldMk cId="1303406308" sldId="269"/>
@@ -578,7 +629,7 @@
           </ac:spMkLst>
         </pc:spChg>
         <pc:spChg chg="add mod">
-          <ac:chgData name="Mathias Østergaard" userId="a5d1e7bd90b8f6c9" providerId="LiveId" clId="{7F6AA87F-2719-4F4F-AE1C-C2661332DAC4}" dt="2022-06-15T19:35:32.912" v="1406" actId="20577"/>
+          <ac:chgData name="Mathias Østergaard" userId="a5d1e7bd90b8f6c9" providerId="LiveId" clId="{7F6AA87F-2719-4F4F-AE1C-C2661332DAC4}" dt="2022-06-16T07:47:12.732" v="3193" actId="20577"/>
           <ac:spMkLst>
             <pc:docMk/>
             <pc:sldMk cId="1303406308" sldId="269"/>
@@ -712,7 +763,7 @@
         </pc:picChg>
       </pc:sldChg>
       <pc:sldChg chg="addSp modSp new mod setBg">
-        <pc:chgData name="Mathias Østergaard" userId="a5d1e7bd90b8f6c9" providerId="LiveId" clId="{7F6AA87F-2719-4F4F-AE1C-C2661332DAC4}" dt="2022-06-15T22:50:47.439" v="2807" actId="26606"/>
+        <pc:chgData name="Mathias Østergaard" userId="a5d1e7bd90b8f6c9" providerId="LiveId" clId="{7F6AA87F-2719-4F4F-AE1C-C2661332DAC4}" dt="2022-06-16T07:48:09.919" v="3199" actId="20577"/>
         <pc:sldMkLst>
           <pc:docMk/>
           <pc:sldMk cId="1074585813" sldId="273"/>
@@ -726,7 +777,7 @@
           </ac:spMkLst>
         </pc:spChg>
         <pc:spChg chg="mod">
-          <ac:chgData name="Mathias Østergaard" userId="a5d1e7bd90b8f6c9" providerId="LiveId" clId="{7F6AA87F-2719-4F4F-AE1C-C2661332DAC4}" dt="2022-06-15T22:50:47.439" v="2807" actId="26606"/>
+          <ac:chgData name="Mathias Østergaard" userId="a5d1e7bd90b8f6c9" providerId="LiveId" clId="{7F6AA87F-2719-4F4F-AE1C-C2661332DAC4}" dt="2022-06-16T07:48:09.919" v="3199" actId="20577"/>
           <ac:spMkLst>
             <pc:docMk/>
             <pc:sldMk cId="1074585813" sldId="273"/>
@@ -3743,7 +3794,7 @@
           <a:p>
             <a:fld id="{1A31D5E3-532F-4030-AFCB-DD574A9BAA92}" type="datetimeFigureOut">
               <a:rPr lang="da-DK" smtClean="0"/>
-              <a:t>15-06-2022</a:t>
+              <a:t>16-06-2022</a:t>
             </a:fld>
             <a:endParaRPr lang="da-DK"/>
           </a:p>
@@ -4010,93 +4061,6 @@
 </p:notesMaster>
 </file>
 
-<file path=ppt/notesSlides/notesSlide1.xml><?xml version="1.0" encoding="utf-8"?>
-<p:notes xmlns:a="http://schemas.openxmlformats.org/drawingml/2006/main" xmlns:r="http://schemas.openxmlformats.org/officeDocument/2006/relationships" xmlns:p="http://schemas.openxmlformats.org/presentationml/2006/main">
-  <p:cSld>
-    <p:spTree>
-      <p:nvGrpSpPr>
-        <p:cNvPr id="1" name=""/>
-        <p:cNvGrpSpPr/>
-        <p:nvPr/>
-      </p:nvGrpSpPr>
-      <p:grpSpPr>
-        <a:xfrm>
-          <a:off x="0" y="0"/>
-          <a:ext cx="0" cy="0"/>
-          <a:chOff x="0" y="0"/>
-          <a:chExt cx="0" cy="0"/>
-        </a:xfrm>
-      </p:grpSpPr>
-      <p:sp>
-        <p:nvSpPr>
-          <p:cNvPr id="2" name="Pladsholder til slidebillede 1"/>
-          <p:cNvSpPr>
-            <a:spLocks noGrp="1" noRot="1" noChangeAspect="1"/>
-          </p:cNvSpPr>
-          <p:nvPr>
-            <p:ph type="sldImg"/>
-          </p:nvPr>
-        </p:nvSpPr>
-        <p:spPr/>
-      </p:sp>
-      <p:sp>
-        <p:nvSpPr>
-          <p:cNvPr id="3" name="Pladsholder til noter 2"/>
-          <p:cNvSpPr>
-            <a:spLocks noGrp="1"/>
-          </p:cNvSpPr>
-          <p:nvPr>
-            <p:ph type="body" idx="1"/>
-          </p:nvPr>
-        </p:nvSpPr>
-        <p:spPr/>
-        <p:txBody>
-          <a:bodyPr/>
-          <a:lstStyle/>
-          <a:p>
-            <a:r>
-              <a:rPr lang="da-DK" dirty="0"/>
-              <a:t>Input </a:t>
-            </a:r>
-          </a:p>
-        </p:txBody>
-      </p:sp>
-      <p:sp>
-        <p:nvSpPr>
-          <p:cNvPr id="4" name="Pladsholder til slidenummer 3"/>
-          <p:cNvSpPr>
-            <a:spLocks noGrp="1"/>
-          </p:cNvSpPr>
-          <p:nvPr>
-            <p:ph type="sldNum" sz="quarter" idx="5"/>
-          </p:nvPr>
-        </p:nvSpPr>
-        <p:spPr/>
-        <p:txBody>
-          <a:bodyPr/>
-          <a:lstStyle/>
-          <a:p>
-            <a:fld id="{429920BF-1F0D-4EA5-A8AF-C0C2AA4AF747}" type="slidenum">
-              <a:rPr lang="da-DK" smtClean="0"/>
-              <a:t>11</a:t>
-            </a:fld>
-            <a:endParaRPr lang="da-DK"/>
-          </a:p>
-        </p:txBody>
-      </p:sp>
-    </p:spTree>
-    <p:extLst>
-      <p:ext uri="{BB962C8B-B14F-4D97-AF65-F5344CB8AC3E}">
-        <p14:creationId xmlns:p14="http://schemas.microsoft.com/office/powerpoint/2010/main" val="485907157"/>
-      </p:ext>
-    </p:extLst>
-  </p:cSld>
-  <p:clrMapOvr>
-    <a:masterClrMapping/>
-  </p:clrMapOvr>
-</p:notes>
-</file>
-
 <file path=ppt/slideLayouts/slideLayout1.xml><?xml version="1.0" encoding="utf-8"?>
 <p:sldLayout xmlns:a="http://schemas.openxmlformats.org/drawingml/2006/main" xmlns:r="http://schemas.openxmlformats.org/officeDocument/2006/relationships" xmlns:p="http://schemas.openxmlformats.org/presentationml/2006/main" showMasterSp="0" type="title" preserve="1">
   <p:cSld name="Titelslide">
@@ -4266,7 +4230,7 @@
           <a:p>
             <a:fld id="{1160EA64-D806-43AC-9DF2-F8C432F32B4C}" type="datetimeFigureOut">
               <a:rPr lang="en-US" smtClean="0"/>
-              <a:t>6/15/2022</a:t>
+              <a:t>6/16/2022</a:t>
             </a:fld>
             <a:endParaRPr lang="en-US" dirty="0"/>
           </a:p>
@@ -4597,7 +4561,7 @@
           <a:p>
             <a:fld id="{E9F9C37B-1D36-470B-8223-D6C91242EC14}" type="datetimeFigureOut">
               <a:rPr lang="en-US" smtClean="0"/>
-              <a:t>6/15/2022</a:t>
+              <a:t>6/16/2022</a:t>
             </a:fld>
             <a:endParaRPr lang="en-US" dirty="0"/>
           </a:p>
@@ -4777,7 +4741,7 @@
           <a:p>
             <a:fld id="{67C6F52A-A82B-47A2-A83A-8C4C91F2D59F}" type="datetimeFigureOut">
               <a:rPr lang="en-US" smtClean="0"/>
-              <a:t>6/15/2022</a:t>
+              <a:t>6/16/2022</a:t>
             </a:fld>
             <a:endParaRPr lang="en-US" dirty="0"/>
           </a:p>
@@ -4947,7 +4911,7 @@
           <a:p>
             <a:fld id="{F070A7B3-6521-4DCA-87E5-044747A908C1}" type="datetimeFigureOut">
               <a:rPr lang="en-US" smtClean="0"/>
-              <a:t>6/15/2022</a:t>
+              <a:t>6/16/2022</a:t>
             </a:fld>
             <a:endParaRPr lang="en-US" dirty="0"/>
           </a:p>
@@ -5225,7 +5189,7 @@
           <a:p>
             <a:fld id="{1160EA64-D806-43AC-9DF2-F8C432F32B4C}" type="datetimeFigureOut">
               <a:rPr lang="en-US" smtClean="0"/>
-              <a:t>6/15/2022</a:t>
+              <a:t>6/16/2022</a:t>
             </a:fld>
             <a:endParaRPr lang="en-US" dirty="0"/>
           </a:p>
@@ -5620,7 +5584,7 @@
           <a:p>
             <a:fld id="{AB134690-1557-4C89-A502-4959FE7FAD70}" type="datetimeFigureOut">
               <a:rPr lang="en-US" smtClean="0"/>
-              <a:t>6/15/2022</a:t>
+              <a:t>6/16/2022</a:t>
             </a:fld>
             <a:endParaRPr lang="en-US" dirty="0"/>
           </a:p>
@@ -6097,7 +6061,7 @@
           <a:p>
             <a:fld id="{1160EA64-D806-43AC-9DF2-F8C432F32B4C}" type="datetimeFigureOut">
               <a:rPr lang="en-US" smtClean="0"/>
-              <a:t>6/15/2022</a:t>
+              <a:t>6/16/2022</a:t>
             </a:fld>
             <a:endParaRPr lang="en-US" dirty="0"/>
           </a:p>
@@ -6217,7 +6181,7 @@
           <a:p>
             <a:fld id="{E1037C31-9E7A-4F99-8774-A0E530DE1A42}" type="datetimeFigureOut">
               <a:rPr lang="en-US" smtClean="0"/>
-              <a:t>6/15/2022</a:t>
+              <a:t>6/16/2022</a:t>
             </a:fld>
             <a:endParaRPr lang="en-US" dirty="0"/>
           </a:p>
@@ -6312,7 +6276,7 @@
           <a:p>
             <a:fld id="{C278504F-A551-4DE0-9316-4DCD1D8CC752}" type="datetimeFigureOut">
               <a:rPr lang="en-US" smtClean="0"/>
-              <a:t>6/15/2022</a:t>
+              <a:t>6/16/2022</a:t>
             </a:fld>
             <a:endParaRPr lang="en-US" dirty="0"/>
           </a:p>
@@ -6658,7 +6622,7 @@
           <a:p>
             <a:fld id="{D1BE4249-C0D0-4B06-8692-E8BB871AF643}" type="datetimeFigureOut">
               <a:rPr lang="en-US" smtClean="0"/>
-              <a:t>6/15/2022</a:t>
+              <a:t>6/16/2022</a:t>
             </a:fld>
             <a:endParaRPr lang="en-US" dirty="0"/>
           </a:p>
@@ -7046,7 +7010,7 @@
           <a:p>
             <a:fld id="{042B0DB6-F5C7-45FB-8CF3-31B45F9C2DAC}" type="datetimeFigureOut">
               <a:rPr lang="en-US" smtClean="0"/>
-              <a:t>6/15/2022</a:t>
+              <a:t>6/16/2022</a:t>
             </a:fld>
             <a:endParaRPr lang="en-US" dirty="0"/>
           </a:p>
@@ -7324,7 +7288,7 @@
           <a:p>
             <a:fld id="{1160EA64-D806-43AC-9DF2-F8C432F32B4C}" type="datetimeFigureOut">
               <a:rPr lang="en-US" smtClean="0"/>
-              <a:t>6/15/2022</a:t>
+              <a:t>6/16/2022</a:t>
             </a:fld>
             <a:endParaRPr lang="en-US" dirty="0"/>
           </a:p>
@@ -8239,6 +8203,14 @@
 <file path=ppt/slides/slide10.xml><?xml version="1.0" encoding="utf-8"?>
 <p:sld xmlns:a="http://schemas.openxmlformats.org/drawingml/2006/main" xmlns:r="http://schemas.openxmlformats.org/officeDocument/2006/relationships" xmlns:p="http://schemas.openxmlformats.org/presentationml/2006/main">
   <p:cSld>
+    <p:bg>
+      <p:bgPr>
+        <a:solidFill>
+          <a:schemeClr val="bg2"/>
+        </a:solidFill>
+        <a:effectLst/>
+      </p:bgPr>
+    </p:bg>
     <p:spTree>
       <p:nvGrpSpPr>
         <p:cNvPr id="1" name=""/>
@@ -8269,9 +8241,16 @@
             <p:ph type="title"/>
           </p:nvPr>
         </p:nvSpPr>
-        <p:spPr/>
+        <p:spPr>
+          <a:xfrm>
+            <a:off x="1023562" y="685800"/>
+            <a:ext cx="10493524" cy="1485900"/>
+          </a:xfrm>
+        </p:spPr>
         <p:txBody>
-          <a:bodyPr/>
+          <a:bodyPr>
+            <a:normAutofit/>
+          </a:bodyPr>
           <a:lstStyle/>
           <a:p>
             <a:r>
@@ -8280,6 +8259,61 @@
             </a:r>
           </a:p>
         </p:txBody>
+      </p:sp>
+      <p:sp>
+        <p:nvSpPr>
+          <p:cNvPr id="15" name="Rectangle 14">
+            <a:extLst>
+              <a:ext uri="{FF2B5EF4-FFF2-40B4-BE49-F238E27FC236}">
+                <a16:creationId xmlns:a16="http://schemas.microsoft.com/office/drawing/2014/main" id="{B9F89C22-0475-4427-B7C8-0269AD40E3EC}"/>
+              </a:ext>
+              <a:ext uri="{C183D7F6-B498-43B3-948B-1728B52AA6E4}">
+                <adec:decorative xmlns:adec="http://schemas.microsoft.com/office/drawing/2017/decorative" val="1"/>
+              </a:ext>
+            </a:extLst>
+          </p:cNvPr>
+          <p:cNvSpPr>
+            <a:spLocks noGrp="1" noRot="1" noChangeAspect="1" noMove="1" noResize="1" noEditPoints="1" noAdjustHandles="1" noChangeArrowheads="1" noChangeShapeType="1" noTextEdit="1"/>
+          </p:cNvSpPr>
+          <p:nvPr>
+            <p:extLst>
+              <p:ext uri="{386F3935-93C4-4BCD-93E2-E3B085C9AB24}">
+                <p16:designElem xmlns:p16="http://schemas.microsoft.com/office/powerpoint/2015/main" val="1"/>
+              </p:ext>
+            </p:extLst>
+          </p:nvPr>
+        </p:nvSpPr>
+        <p:spPr>
+          <a:xfrm>
+            <a:off x="478095" y="376"/>
+            <a:ext cx="228600" cy="6858000"/>
+          </a:xfrm>
+          <a:prstGeom prst="rect">
+            <a:avLst/>
+          </a:prstGeom>
+          <a:solidFill>
+            <a:schemeClr val="tx2"/>
+          </a:solidFill>
+          <a:ln>
+            <a:noFill/>
+          </a:ln>
+        </p:spPr>
+        <p:style>
+          <a:lnRef idx="2">
+            <a:schemeClr val="accent1">
+              <a:shade val="50000"/>
+            </a:schemeClr>
+          </a:lnRef>
+          <a:fillRef idx="1">
+            <a:schemeClr val="accent1"/>
+          </a:fillRef>
+          <a:effectRef idx="0">
+            <a:schemeClr val="accent1"/>
+          </a:effectRef>
+          <a:fontRef idx="minor">
+            <a:schemeClr val="lt1"/>
+          </a:fontRef>
+        </p:style>
       </p:sp>
       <p:sp>
         <p:nvSpPr>
@@ -8297,64 +8331,112 @@
             <p:ph idx="1"/>
           </p:nvPr>
         </p:nvSpPr>
-        <p:spPr/>
+        <p:spPr>
+          <a:xfrm>
+            <a:off x="1023562" y="2286000"/>
+            <a:ext cx="5072437" cy="3581400"/>
+          </a:xfrm>
+        </p:spPr>
         <p:txBody>
-          <a:bodyPr/>
+          <a:bodyPr>
+            <a:normAutofit/>
+          </a:bodyPr>
           <a:lstStyle/>
           <a:p>
             <a:r>
-              <a:rPr lang="da-DK" dirty="0" err="1"/>
+              <a:rPr lang="da-DK" sz="1800"/>
               <a:t>Subcategory</a:t>
             </a:r>
             <a:r>
-              <a:rPr lang="da-DK" dirty="0"/>
+              <a:rPr lang="da-DK" sz="1800" dirty="0"/>
               <a:t> of a </a:t>
             </a:r>
             <a:r>
-              <a:rPr lang="da-DK" dirty="0" err="1"/>
+              <a:rPr lang="da-DK" sz="1800"/>
               <a:t>recurrent</a:t>
             </a:r>
             <a:r>
-              <a:rPr lang="da-DK" dirty="0"/>
+              <a:rPr lang="da-DK" sz="1800" dirty="0"/>
               <a:t> neural </a:t>
             </a:r>
             <a:r>
-              <a:rPr lang="da-DK" dirty="0" err="1"/>
+              <a:rPr lang="da-DK" sz="1800"/>
               <a:t>network</a:t>
             </a:r>
-            <a:endParaRPr lang="da-DK" dirty="0"/>
-          </a:p>
-          <a:p>
-            <a:r>
-              <a:rPr lang="da-DK" dirty="0" err="1"/>
+            <a:endParaRPr lang="da-DK" sz="1800" dirty="0"/>
+          </a:p>
+          <a:p>
+            <a:r>
+              <a:rPr lang="da-DK" sz="1800"/>
               <a:t>Subcategory</a:t>
             </a:r>
             <a:r>
-              <a:rPr lang="da-DK" dirty="0"/>
+              <a:rPr lang="da-DK" sz="1800" dirty="0"/>
               <a:t> of a neural </a:t>
             </a:r>
             <a:r>
-              <a:rPr lang="da-DK" dirty="0" err="1"/>
+              <a:rPr lang="da-DK" sz="1800"/>
               <a:t>network</a:t>
             </a:r>
-            <a:endParaRPr lang="da-DK" dirty="0"/>
-          </a:p>
-          <a:p>
-            <a:r>
-              <a:rPr lang="da-DK" dirty="0"/>
+            <a:endParaRPr lang="da-DK" sz="1800" dirty="0"/>
+          </a:p>
+          <a:p>
+            <a:r>
+              <a:rPr lang="da-DK" sz="1800" dirty="0"/>
               <a:t>Can store information </a:t>
             </a:r>
             <a:r>
-              <a:rPr lang="da-DK" dirty="0" err="1"/>
+              <a:rPr lang="da-DK" sz="1800"/>
               <a:t>between</a:t>
             </a:r>
             <a:r>
-              <a:rPr lang="da-DK" dirty="0"/>
+              <a:rPr lang="da-DK" sz="1800" dirty="0"/>
               <a:t> iterations</a:t>
             </a:r>
+          </a:p>
+          <a:p>
+            <a:r>
+              <a:rPr lang="da-DK" sz="1800" dirty="0"/>
+              <a:t>Hidden </a:t>
+            </a:r>
+            <a:r>
+              <a:rPr lang="da-DK" sz="1800"/>
+              <a:t>state</a:t>
+            </a:r>
+            <a:endParaRPr lang="da-DK" sz="1800" dirty="0"/>
           </a:p>
         </p:txBody>
       </p:sp>
+      <p:pic>
+        <p:nvPicPr>
+          <p:cNvPr id="7" name="Billede 6">
+            <a:extLst>
+              <a:ext uri="{FF2B5EF4-FFF2-40B4-BE49-F238E27FC236}">
+                <a16:creationId xmlns:a16="http://schemas.microsoft.com/office/drawing/2014/main" id="{741B5AFB-3616-57EA-7184-5FD878F6EADC}"/>
+              </a:ext>
+            </a:extLst>
+          </p:cNvPr>
+          <p:cNvPicPr>
+            <a:picLocks noChangeAspect="1"/>
+          </p:cNvPicPr>
+          <p:nvPr/>
+        </p:nvPicPr>
+        <p:blipFill>
+          <a:blip r:embed="rId2"/>
+          <a:stretch>
+            <a:fillRect/>
+          </a:stretch>
+        </p:blipFill>
+        <p:spPr>
+          <a:xfrm>
+            <a:off x="6411641" y="2826037"/>
+            <a:ext cx="5105445" cy="2591013"/>
+          </a:xfrm>
+          <a:prstGeom prst="rect">
+            <a:avLst/>
+          </a:prstGeom>
+        </p:spPr>
+      </p:pic>
     </p:spTree>
     <p:extLst>
       <p:ext uri="{BB962C8B-B14F-4D97-AF65-F5344CB8AC3E}">
@@ -8369,105 +8451,6 @@
 </file>
 
 <file path=ppt/slides/slide11.xml><?xml version="1.0" encoding="utf-8"?>
-<p:sld xmlns:a="http://schemas.openxmlformats.org/drawingml/2006/main" xmlns:r="http://schemas.openxmlformats.org/officeDocument/2006/relationships" xmlns:p="http://schemas.openxmlformats.org/presentationml/2006/main">
-  <p:cSld>
-    <p:spTree>
-      <p:nvGrpSpPr>
-        <p:cNvPr id="1" name=""/>
-        <p:cNvGrpSpPr/>
-        <p:nvPr/>
-      </p:nvGrpSpPr>
-      <p:grpSpPr>
-        <a:xfrm>
-          <a:off x="0" y="0"/>
-          <a:ext cx="0" cy="0"/>
-          <a:chOff x="0" y="0"/>
-          <a:chExt cx="0" cy="0"/>
-        </a:xfrm>
-      </p:grpSpPr>
-      <p:sp>
-        <p:nvSpPr>
-          <p:cNvPr id="2" name="Titel 1">
-            <a:extLst>
-              <a:ext uri="{FF2B5EF4-FFF2-40B4-BE49-F238E27FC236}">
-                <a16:creationId xmlns:a16="http://schemas.microsoft.com/office/drawing/2014/main" id="{453C4197-DE59-7920-36B8-696C9C5285E3}"/>
-              </a:ext>
-            </a:extLst>
-          </p:cNvPr>
-          <p:cNvSpPr>
-            <a:spLocks noGrp="1"/>
-          </p:cNvSpPr>
-          <p:nvPr>
-            <p:ph type="title"/>
-          </p:nvPr>
-        </p:nvSpPr>
-        <p:spPr/>
-        <p:txBody>
-          <a:bodyPr/>
-          <a:lstStyle/>
-          <a:p>
-            <a:r>
-              <a:rPr lang="da-DK" dirty="0"/>
-              <a:t>Gates</a:t>
-            </a:r>
-          </a:p>
-        </p:txBody>
-      </p:sp>
-      <p:sp>
-        <p:nvSpPr>
-          <p:cNvPr id="7" name="Pladsholder til indhold 6">
-            <a:extLst>
-              <a:ext uri="{FF2B5EF4-FFF2-40B4-BE49-F238E27FC236}">
-                <a16:creationId xmlns:a16="http://schemas.microsoft.com/office/drawing/2014/main" id="{CD2BE1BF-CCB4-2E6D-5FE0-C4278A2D0853}"/>
-              </a:ext>
-            </a:extLst>
-          </p:cNvPr>
-          <p:cNvSpPr>
-            <a:spLocks noGrp="1"/>
-          </p:cNvSpPr>
-          <p:nvPr>
-            <p:ph idx="1"/>
-          </p:nvPr>
-        </p:nvSpPr>
-        <p:spPr/>
-        <p:txBody>
-          <a:bodyPr/>
-          <a:lstStyle/>
-          <a:p>
-            <a:r>
-              <a:rPr lang="da-DK" dirty="0"/>
-              <a:t>Input</a:t>
-            </a:r>
-          </a:p>
-          <a:p>
-            <a:r>
-              <a:rPr lang="da-DK" dirty="0" err="1"/>
-              <a:t>Forget</a:t>
-            </a:r>
-            <a:endParaRPr lang="da-DK" dirty="0"/>
-          </a:p>
-          <a:p>
-            <a:r>
-              <a:rPr lang="da-DK" dirty="0"/>
-              <a:t>Output</a:t>
-            </a:r>
-          </a:p>
-        </p:txBody>
-      </p:sp>
-    </p:spTree>
-    <p:extLst>
-      <p:ext uri="{BB962C8B-B14F-4D97-AF65-F5344CB8AC3E}">
-        <p14:creationId xmlns:p14="http://schemas.microsoft.com/office/powerpoint/2010/main" val="3568432"/>
-      </p:ext>
-    </p:extLst>
-  </p:cSld>
-  <p:clrMapOvr>
-    <a:masterClrMapping/>
-  </p:clrMapOvr>
-</p:sld>
-</file>
-
-<file path=ppt/slides/slide12.xml><?xml version="1.0" encoding="utf-8"?>
 <p:sld xmlns:a="http://schemas.openxmlformats.org/drawingml/2006/main" xmlns:r="http://schemas.openxmlformats.org/officeDocument/2006/relationships" xmlns:p="http://schemas.openxmlformats.org/presentationml/2006/main">
   <p:cSld>
     <p:spTree>
@@ -8634,7 +8617,7 @@
 </p:sld>
 </file>
 
-<file path=ppt/slides/slide13.xml><?xml version="1.0" encoding="utf-8"?>
+<file path=ppt/slides/slide12.xml><?xml version="1.0" encoding="utf-8"?>
 <p:sld xmlns:a="http://schemas.openxmlformats.org/drawingml/2006/main" xmlns:r="http://schemas.openxmlformats.org/officeDocument/2006/relationships" xmlns:p="http://schemas.openxmlformats.org/presentationml/2006/main">
   <p:cSld>
     <p:spTree>
@@ -8722,7 +8705,7 @@
           <a:p>
             <a:r>
               <a:rPr lang="da-DK" dirty="0" err="1"/>
-              <a:t>Porving</a:t>
+              <a:t>Proving</a:t>
             </a:r>
             <a:r>
               <a:rPr lang="da-DK" dirty="0"/>
@@ -8790,7 +8773,7 @@
 </p:sld>
 </file>
 
-<file path=ppt/slides/slide14.xml><?xml version="1.0" encoding="utf-8"?>
+<file path=ppt/slides/slide13.xml><?xml version="1.0" encoding="utf-8"?>
 <p:sld xmlns:a="http://schemas.openxmlformats.org/drawingml/2006/main" xmlns:r="http://schemas.openxmlformats.org/officeDocument/2006/relationships" xmlns:p="http://schemas.openxmlformats.org/presentationml/2006/main">
   <p:cSld>
     <p:bg>
@@ -8921,6 +8904,24 @@
             <a:endParaRPr lang="da-DK" dirty="0"/>
           </a:p>
           <a:p>
+            <a:r>
+              <a:rPr lang="da-DK" dirty="0" err="1"/>
+              <a:t>Different</a:t>
+            </a:r>
+            <a:r>
+              <a:rPr lang="da-DK" dirty="0"/>
+              <a:t> for </a:t>
+            </a:r>
+            <a:r>
+              <a:rPr lang="da-DK" dirty="0" err="1"/>
+              <a:t>actual</a:t>
+            </a:r>
+            <a:r>
+              <a:rPr lang="da-DK" dirty="0"/>
+              <a:t> forecasts</a:t>
+            </a:r>
+          </a:p>
+          <a:p>
             <a:endParaRPr lang="da-DK" dirty="0"/>
           </a:p>
         </p:txBody>
@@ -8968,7 +8969,7 @@
 </p:sld>
 </file>
 
-<file path=ppt/slides/slide15.xml><?xml version="1.0" encoding="utf-8"?>
+<file path=ppt/slides/slide14.xml><?xml version="1.0" encoding="utf-8"?>
 <p:sld xmlns:a="http://schemas.openxmlformats.org/drawingml/2006/main" xmlns:r="http://schemas.openxmlformats.org/officeDocument/2006/relationships" xmlns:p="http://schemas.openxmlformats.org/presentationml/2006/main">
   <p:cSld>
     <p:spTree>
@@ -9123,7 +9124,7 @@
 </p:sld>
 </file>
 
-<file path=ppt/slides/slide16.xml><?xml version="1.0" encoding="utf-8"?>
+<file path=ppt/slides/slide15.xml><?xml version="1.0" encoding="utf-8"?>
 <p:sld xmlns:a="http://schemas.openxmlformats.org/drawingml/2006/main" xmlns:r="http://schemas.openxmlformats.org/officeDocument/2006/relationships" xmlns:p="http://schemas.openxmlformats.org/presentationml/2006/main">
   <p:cSld>
     <p:bg>
@@ -9340,7 +9341,7 @@
 </p:sld>
 </file>
 
-<file path=ppt/slides/slide17.xml><?xml version="1.0" encoding="utf-8"?>
+<file path=ppt/slides/slide16.xml><?xml version="1.0" encoding="utf-8"?>
 <p:sld xmlns:a="http://schemas.openxmlformats.org/drawingml/2006/main" xmlns:r="http://schemas.openxmlformats.org/officeDocument/2006/relationships" xmlns:p="http://schemas.openxmlformats.org/presentationml/2006/main">
   <p:cSld>
     <p:spTree>
@@ -9648,7 +9649,7 @@
 </p:sld>
 </file>
 
-<file path=ppt/slides/slide18.xml><?xml version="1.0" encoding="utf-8"?>
+<file path=ppt/slides/slide17.xml><?xml version="1.0" encoding="utf-8"?>
 <p:sld xmlns:a="http://schemas.openxmlformats.org/drawingml/2006/main" xmlns:r="http://schemas.openxmlformats.org/officeDocument/2006/relationships" xmlns:p="http://schemas.openxmlformats.org/presentationml/2006/main">
   <p:cSld>
     <p:bg>
@@ -9804,24 +9805,82 @@
           <a:lstStyle/>
           <a:p>
             <a:r>
-              <a:rPr lang="da-DK" sz="1800"/>
-              <a:t>The results appeared to be true </a:t>
-            </a:r>
-          </a:p>
-          <a:p>
-            <a:r>
-              <a:rPr lang="da-DK" sz="1800"/>
-              <a:t>I did not illustrate the results enough</a:t>
-            </a:r>
-          </a:p>
-          <a:p>
-            <a:r>
-              <a:rPr lang="da-DK" sz="1800"/>
-              <a:t>Rookie mistake</a:t>
-            </a:r>
-          </a:p>
-          <a:p>
-            <a:endParaRPr lang="da-DK" sz="1800"/>
+              <a:rPr lang="da-DK" sz="1800" dirty="0"/>
+              <a:t>The </a:t>
+            </a:r>
+            <a:r>
+              <a:rPr lang="da-DK" sz="1800" dirty="0" err="1"/>
+              <a:t>results</a:t>
+            </a:r>
+            <a:r>
+              <a:rPr lang="da-DK" sz="1800" dirty="0"/>
+              <a:t> </a:t>
+            </a:r>
+            <a:r>
+              <a:rPr lang="da-DK" sz="1800" dirty="0" err="1"/>
+              <a:t>appeared</a:t>
+            </a:r>
+            <a:r>
+              <a:rPr lang="da-DK" sz="1800" dirty="0"/>
+              <a:t> to </a:t>
+            </a:r>
+            <a:r>
+              <a:rPr lang="da-DK" sz="1800" dirty="0" err="1"/>
+              <a:t>be</a:t>
+            </a:r>
+            <a:r>
+              <a:rPr lang="da-DK" sz="1800" dirty="0"/>
+              <a:t> true </a:t>
+            </a:r>
+          </a:p>
+          <a:p>
+            <a:r>
+              <a:rPr lang="da-DK" sz="1800" dirty="0"/>
+              <a:t>I did not </a:t>
+            </a:r>
+            <a:r>
+              <a:rPr lang="da-DK" sz="1800" dirty="0" err="1"/>
+              <a:t>illustrate</a:t>
+            </a:r>
+            <a:r>
+              <a:rPr lang="da-DK" sz="1800" dirty="0"/>
+              <a:t> the </a:t>
+            </a:r>
+            <a:r>
+              <a:rPr lang="da-DK" sz="1800" dirty="0" err="1"/>
+              <a:t>results</a:t>
+            </a:r>
+            <a:r>
+              <a:rPr lang="da-DK" sz="1800" dirty="0"/>
+              <a:t> </a:t>
+            </a:r>
+            <a:r>
+              <a:rPr lang="da-DK" sz="1800" dirty="0" err="1"/>
+              <a:t>enough</a:t>
+            </a:r>
+            <a:endParaRPr lang="da-DK" sz="1800" dirty="0"/>
+          </a:p>
+          <a:p>
+            <a:r>
+              <a:rPr lang="da-DK" sz="1800" dirty="0" err="1"/>
+              <a:t>Rookie</a:t>
+            </a:r>
+            <a:r>
+              <a:rPr lang="da-DK" sz="1800" dirty="0"/>
+              <a:t> </a:t>
+            </a:r>
+            <a:r>
+              <a:rPr lang="da-DK" sz="1800" dirty="0" err="1"/>
+              <a:t>mistake</a:t>
+            </a:r>
+            <a:endParaRPr lang="da-DK" sz="1800" dirty="0"/>
+          </a:p>
+          <a:p>
+            <a:r>
+              <a:rPr lang="da-DK" sz="1800" dirty="0" err="1"/>
+              <a:t>Rushed</a:t>
+            </a:r>
+            <a:endParaRPr lang="da-DK" sz="1800" dirty="0"/>
           </a:p>
         </p:txBody>
       </p:sp>
@@ -9868,7 +9927,7 @@
 </p:sld>
 </file>
 
-<file path=ppt/slides/slide19.xml><?xml version="1.0" encoding="utf-8"?>
+<file path=ppt/slides/slide18.xml><?xml version="1.0" encoding="utf-8"?>
 <p:sld xmlns:a="http://schemas.openxmlformats.org/drawingml/2006/main" xmlns:r="http://schemas.openxmlformats.org/officeDocument/2006/relationships" xmlns:p="http://schemas.openxmlformats.org/presentationml/2006/main">
   <p:cSld>
     <p:bg>
@@ -10146,6 +10205,203 @@
     <p:extLst>
       <p:ext uri="{BB962C8B-B14F-4D97-AF65-F5344CB8AC3E}">
         <p14:creationId xmlns:p14="http://schemas.microsoft.com/office/powerpoint/2010/main" val="3438510648"/>
+      </p:ext>
+    </p:extLst>
+  </p:cSld>
+  <p:clrMapOvr>
+    <a:masterClrMapping/>
+  </p:clrMapOvr>
+</p:sld>
+</file>
+
+<file path=ppt/slides/slide19.xml><?xml version="1.0" encoding="utf-8"?>
+<p:sld xmlns:a="http://schemas.openxmlformats.org/drawingml/2006/main" xmlns:r="http://schemas.openxmlformats.org/officeDocument/2006/relationships" xmlns:p="http://schemas.openxmlformats.org/presentationml/2006/main">
+  <p:cSld>
+    <p:spTree>
+      <p:nvGrpSpPr>
+        <p:cNvPr id="1" name=""/>
+        <p:cNvGrpSpPr/>
+        <p:nvPr/>
+      </p:nvGrpSpPr>
+      <p:grpSpPr>
+        <a:xfrm>
+          <a:off x="0" y="0"/>
+          <a:ext cx="0" cy="0"/>
+          <a:chOff x="0" y="0"/>
+          <a:chExt cx="0" cy="0"/>
+        </a:xfrm>
+      </p:grpSpPr>
+      <p:sp>
+        <p:nvSpPr>
+          <p:cNvPr id="2" name="Titel 1">
+            <a:extLst>
+              <a:ext uri="{FF2B5EF4-FFF2-40B4-BE49-F238E27FC236}">
+                <a16:creationId xmlns:a16="http://schemas.microsoft.com/office/drawing/2014/main" id="{664188DB-04A7-EA1B-90AF-F675F5F99471}"/>
+              </a:ext>
+            </a:extLst>
+          </p:cNvPr>
+          <p:cNvSpPr>
+            <a:spLocks noGrp="1"/>
+          </p:cNvSpPr>
+          <p:nvPr>
+            <p:ph type="title"/>
+          </p:nvPr>
+        </p:nvSpPr>
+        <p:spPr/>
+        <p:txBody>
+          <a:bodyPr/>
+          <a:lstStyle/>
+          <a:p>
+            <a:r>
+              <a:rPr lang="da-DK" dirty="0" err="1"/>
+              <a:t>Conclusion</a:t>
+            </a:r>
+            <a:endParaRPr lang="da-DK" dirty="0"/>
+          </a:p>
+        </p:txBody>
+      </p:sp>
+      <p:sp>
+        <p:nvSpPr>
+          <p:cNvPr id="3" name="Pladsholder til indhold 2">
+            <a:extLst>
+              <a:ext uri="{FF2B5EF4-FFF2-40B4-BE49-F238E27FC236}">
+                <a16:creationId xmlns:a16="http://schemas.microsoft.com/office/drawing/2014/main" id="{EA2A65E2-BCC8-821A-662E-1C1FCBE47063}"/>
+              </a:ext>
+            </a:extLst>
+          </p:cNvPr>
+          <p:cNvSpPr>
+            <a:spLocks noGrp="1"/>
+          </p:cNvSpPr>
+          <p:nvPr>
+            <p:ph idx="1"/>
+          </p:nvPr>
+        </p:nvSpPr>
+        <p:spPr/>
+        <p:txBody>
+          <a:bodyPr/>
+          <a:lstStyle/>
+          <a:p>
+            <a:r>
+              <a:rPr lang="da-DK" dirty="0" err="1"/>
+              <a:t>Climate</a:t>
+            </a:r>
+            <a:r>
+              <a:rPr lang="da-DK" dirty="0"/>
+              <a:t> data </a:t>
+            </a:r>
+            <a:r>
+              <a:rPr lang="da-DK" dirty="0" err="1"/>
+              <a:t>can</a:t>
+            </a:r>
+            <a:r>
+              <a:rPr lang="da-DK" dirty="0"/>
+              <a:t> </a:t>
+            </a:r>
+            <a:r>
+              <a:rPr lang="da-DK" dirty="0" err="1"/>
+              <a:t>be</a:t>
+            </a:r>
+            <a:r>
+              <a:rPr lang="da-DK" dirty="0"/>
+              <a:t> </a:t>
+            </a:r>
+            <a:r>
+              <a:rPr lang="da-DK" dirty="0" err="1"/>
+              <a:t>used</a:t>
+            </a:r>
+            <a:r>
+              <a:rPr lang="da-DK" dirty="0"/>
+              <a:t> to </a:t>
+            </a:r>
+            <a:r>
+              <a:rPr lang="da-DK" dirty="0" err="1"/>
+              <a:t>predict</a:t>
+            </a:r>
+            <a:r>
+              <a:rPr lang="da-DK" dirty="0"/>
+              <a:t> </a:t>
+            </a:r>
+            <a:r>
+              <a:rPr lang="da-DK" dirty="0" err="1"/>
+              <a:t>elecricity</a:t>
+            </a:r>
+            <a:r>
+              <a:rPr lang="da-DK" dirty="0"/>
+              <a:t> </a:t>
+            </a:r>
+            <a:r>
+              <a:rPr lang="da-DK" dirty="0" err="1"/>
+              <a:t>consumption</a:t>
+            </a:r>
+            <a:endParaRPr lang="da-DK" dirty="0"/>
+          </a:p>
+          <a:p>
+            <a:r>
+              <a:rPr lang="da-DK" dirty="0"/>
+              <a:t>In terms of </a:t>
+            </a:r>
+            <a:r>
+              <a:rPr lang="da-DK" dirty="0" err="1"/>
+              <a:t>this</a:t>
+            </a:r>
+            <a:r>
+              <a:rPr lang="da-DK" dirty="0"/>
+              <a:t> </a:t>
+            </a:r>
+            <a:r>
+              <a:rPr lang="da-DK" dirty="0" err="1"/>
+              <a:t>project</a:t>
+            </a:r>
+            <a:r>
+              <a:rPr lang="da-DK" dirty="0"/>
+              <a:t>, LSTM is not </a:t>
+            </a:r>
+            <a:r>
+              <a:rPr lang="da-DK" dirty="0" err="1"/>
+              <a:t>worth</a:t>
+            </a:r>
+            <a:r>
+              <a:rPr lang="da-DK" dirty="0"/>
+              <a:t> it</a:t>
+            </a:r>
+          </a:p>
+          <a:p>
+            <a:r>
+              <a:rPr lang="da-DK" dirty="0" err="1"/>
+              <a:t>XGBoost</a:t>
+            </a:r>
+            <a:r>
+              <a:rPr lang="da-DK" dirty="0"/>
+              <a:t> performs </a:t>
+            </a:r>
+            <a:r>
+              <a:rPr lang="da-DK" dirty="0" err="1"/>
+              <a:t>well</a:t>
+            </a:r>
+            <a:r>
+              <a:rPr lang="da-DK" dirty="0"/>
+              <a:t>, for </a:t>
+            </a:r>
+            <a:r>
+              <a:rPr lang="da-DK" dirty="0" err="1"/>
+              <a:t>less</a:t>
+            </a:r>
+            <a:r>
+              <a:rPr lang="da-DK" dirty="0"/>
+              <a:t> </a:t>
+            </a:r>
+            <a:r>
+              <a:rPr lang="da-DK" dirty="0" err="1"/>
+              <a:t>recources</a:t>
+            </a:r>
+            <a:endParaRPr lang="da-DK" dirty="0"/>
+          </a:p>
+        </p:txBody>
+      </p:sp>
+    </p:spTree>
+    <p:extLst>
+      <p:ext uri="{BB962C8B-B14F-4D97-AF65-F5344CB8AC3E}">
+        <p14:creationId xmlns:p14="http://schemas.microsoft.com/office/powerpoint/2010/main" val="3004267884"/>
       </p:ext>
     </p:extLst>
   </p:cSld>
@@ -10452,7 +10708,7 @@
             </a:r>
             <a:r>
               <a:rPr lang="da-DK" dirty="0" err="1"/>
-              <a:t>Electricity</a:t>
+              <a:t>electricity</a:t>
             </a:r>
             <a:r>
               <a:rPr lang="da-DK" dirty="0"/>
@@ -10486,203 +10742,6 @@
 </file>
 
 <file path=ppt/slides/slide20.xml><?xml version="1.0" encoding="utf-8"?>
-<p:sld xmlns:a="http://schemas.openxmlformats.org/drawingml/2006/main" xmlns:r="http://schemas.openxmlformats.org/officeDocument/2006/relationships" xmlns:p="http://schemas.openxmlformats.org/presentationml/2006/main">
-  <p:cSld>
-    <p:spTree>
-      <p:nvGrpSpPr>
-        <p:cNvPr id="1" name=""/>
-        <p:cNvGrpSpPr/>
-        <p:nvPr/>
-      </p:nvGrpSpPr>
-      <p:grpSpPr>
-        <a:xfrm>
-          <a:off x="0" y="0"/>
-          <a:ext cx="0" cy="0"/>
-          <a:chOff x="0" y="0"/>
-          <a:chExt cx="0" cy="0"/>
-        </a:xfrm>
-      </p:grpSpPr>
-      <p:sp>
-        <p:nvSpPr>
-          <p:cNvPr id="2" name="Titel 1">
-            <a:extLst>
-              <a:ext uri="{FF2B5EF4-FFF2-40B4-BE49-F238E27FC236}">
-                <a16:creationId xmlns:a16="http://schemas.microsoft.com/office/drawing/2014/main" id="{664188DB-04A7-EA1B-90AF-F675F5F99471}"/>
-              </a:ext>
-            </a:extLst>
-          </p:cNvPr>
-          <p:cNvSpPr>
-            <a:spLocks noGrp="1"/>
-          </p:cNvSpPr>
-          <p:nvPr>
-            <p:ph type="title"/>
-          </p:nvPr>
-        </p:nvSpPr>
-        <p:spPr/>
-        <p:txBody>
-          <a:bodyPr/>
-          <a:lstStyle/>
-          <a:p>
-            <a:r>
-              <a:rPr lang="da-DK" dirty="0" err="1"/>
-              <a:t>Conclusion</a:t>
-            </a:r>
-            <a:endParaRPr lang="da-DK" dirty="0"/>
-          </a:p>
-        </p:txBody>
-      </p:sp>
-      <p:sp>
-        <p:nvSpPr>
-          <p:cNvPr id="3" name="Pladsholder til indhold 2">
-            <a:extLst>
-              <a:ext uri="{FF2B5EF4-FFF2-40B4-BE49-F238E27FC236}">
-                <a16:creationId xmlns:a16="http://schemas.microsoft.com/office/drawing/2014/main" id="{EA2A65E2-BCC8-821A-662E-1C1FCBE47063}"/>
-              </a:ext>
-            </a:extLst>
-          </p:cNvPr>
-          <p:cNvSpPr>
-            <a:spLocks noGrp="1"/>
-          </p:cNvSpPr>
-          <p:nvPr>
-            <p:ph idx="1"/>
-          </p:nvPr>
-        </p:nvSpPr>
-        <p:spPr/>
-        <p:txBody>
-          <a:bodyPr/>
-          <a:lstStyle/>
-          <a:p>
-            <a:r>
-              <a:rPr lang="da-DK" dirty="0" err="1"/>
-              <a:t>Climate</a:t>
-            </a:r>
-            <a:r>
-              <a:rPr lang="da-DK" dirty="0"/>
-              <a:t> data </a:t>
-            </a:r>
-            <a:r>
-              <a:rPr lang="da-DK" dirty="0" err="1"/>
-              <a:t>can</a:t>
-            </a:r>
-            <a:r>
-              <a:rPr lang="da-DK" dirty="0"/>
-              <a:t> </a:t>
-            </a:r>
-            <a:r>
-              <a:rPr lang="da-DK" dirty="0" err="1"/>
-              <a:t>be</a:t>
-            </a:r>
-            <a:r>
-              <a:rPr lang="da-DK" dirty="0"/>
-              <a:t> </a:t>
-            </a:r>
-            <a:r>
-              <a:rPr lang="da-DK" dirty="0" err="1"/>
-              <a:t>used</a:t>
-            </a:r>
-            <a:r>
-              <a:rPr lang="da-DK" dirty="0"/>
-              <a:t> to </a:t>
-            </a:r>
-            <a:r>
-              <a:rPr lang="da-DK" dirty="0" err="1"/>
-              <a:t>predict</a:t>
-            </a:r>
-            <a:r>
-              <a:rPr lang="da-DK" dirty="0"/>
-              <a:t> </a:t>
-            </a:r>
-            <a:r>
-              <a:rPr lang="da-DK" dirty="0" err="1"/>
-              <a:t>elecricity</a:t>
-            </a:r>
-            <a:r>
-              <a:rPr lang="da-DK" dirty="0"/>
-              <a:t> </a:t>
-            </a:r>
-            <a:r>
-              <a:rPr lang="da-DK" dirty="0" err="1"/>
-              <a:t>consumption</a:t>
-            </a:r>
-            <a:endParaRPr lang="da-DK" dirty="0"/>
-          </a:p>
-          <a:p>
-            <a:r>
-              <a:rPr lang="da-DK" dirty="0"/>
-              <a:t>In terms of </a:t>
-            </a:r>
-            <a:r>
-              <a:rPr lang="da-DK" dirty="0" err="1"/>
-              <a:t>this</a:t>
-            </a:r>
-            <a:r>
-              <a:rPr lang="da-DK" dirty="0"/>
-              <a:t> </a:t>
-            </a:r>
-            <a:r>
-              <a:rPr lang="da-DK" dirty="0" err="1"/>
-              <a:t>project</a:t>
-            </a:r>
-            <a:r>
-              <a:rPr lang="da-DK" dirty="0"/>
-              <a:t>, LSTM is not </a:t>
-            </a:r>
-            <a:r>
-              <a:rPr lang="da-DK" dirty="0" err="1"/>
-              <a:t>worth</a:t>
-            </a:r>
-            <a:r>
-              <a:rPr lang="da-DK" dirty="0"/>
-              <a:t> it</a:t>
-            </a:r>
-          </a:p>
-          <a:p>
-            <a:r>
-              <a:rPr lang="da-DK" dirty="0" err="1"/>
-              <a:t>XGBoost</a:t>
-            </a:r>
-            <a:r>
-              <a:rPr lang="da-DK" dirty="0"/>
-              <a:t> performs </a:t>
-            </a:r>
-            <a:r>
-              <a:rPr lang="da-DK" dirty="0" err="1"/>
-              <a:t>well</a:t>
-            </a:r>
-            <a:r>
-              <a:rPr lang="da-DK" dirty="0"/>
-              <a:t>, for </a:t>
-            </a:r>
-            <a:r>
-              <a:rPr lang="da-DK" dirty="0" err="1"/>
-              <a:t>less</a:t>
-            </a:r>
-            <a:r>
-              <a:rPr lang="da-DK" dirty="0"/>
-              <a:t> </a:t>
-            </a:r>
-            <a:r>
-              <a:rPr lang="da-DK" dirty="0" err="1"/>
-              <a:t>recources</a:t>
-            </a:r>
-            <a:endParaRPr lang="da-DK" dirty="0"/>
-          </a:p>
-        </p:txBody>
-      </p:sp>
-    </p:spTree>
-    <p:extLst>
-      <p:ext uri="{BB962C8B-B14F-4D97-AF65-F5344CB8AC3E}">
-        <p14:creationId xmlns:p14="http://schemas.microsoft.com/office/powerpoint/2010/main" val="3004267884"/>
-      </p:ext>
-    </p:extLst>
-  </p:cSld>
-  <p:clrMapOvr>
-    <a:masterClrMapping/>
-  </p:clrMapOvr>
-</p:sld>
-</file>
-
-<file path=ppt/slides/slide21.xml><?xml version="1.0" encoding="utf-8"?>
 <p:sld xmlns:a="http://schemas.openxmlformats.org/drawingml/2006/main" xmlns:r="http://schemas.openxmlformats.org/officeDocument/2006/relationships" xmlns:p="http://schemas.openxmlformats.org/presentationml/2006/main">
   <p:cSld>
     <p:spTree>
@@ -12275,7 +12334,7 @@
             </a:r>
             <a:r>
               <a:rPr lang="da-DK" dirty="0"/>
-              <a:t> of the DMI’s forecasts?</a:t>
+              <a:t> of DMI’s forecasts?</a:t>
             </a:r>
           </a:p>
         </p:txBody>
@@ -12642,7 +12701,7 @@
               <a:t> in the </a:t>
             </a:r>
             <a:r>
-              <a:rPr lang="da-DK" dirty="0" err="1"/>
+              <a:rPr lang="en-US" dirty="0" err="1"/>
               <a:t>aquired</a:t>
             </a:r>
             <a:r>
@@ -12675,10 +12734,9 @@
               <a:t> to </a:t>
             </a:r>
             <a:r>
-              <a:rPr lang="da-DK" dirty="0" err="1"/>
+              <a:rPr lang="en-US" dirty="0"/>
               <a:t>decipher</a:t>
             </a:r>
-            <a:endParaRPr lang="da-DK" dirty="0"/>
           </a:p>
         </p:txBody>
       </p:sp>
@@ -12909,22 +12967,26 @@
           <a:p>
             <a:r>
               <a:rPr lang="da-DK" dirty="0"/>
-              <a:t>Extreme Gradient </a:t>
+              <a:t> </a:t>
+            </a:r>
+            <a:r>
+              <a:rPr lang="da-DK" dirty="0" err="1"/>
+              <a:t>XGBoost</a:t>
+            </a:r>
+            <a:r>
+              <a:rPr lang="da-DK" dirty="0"/>
+              <a:t> </a:t>
+            </a:r>
+            <a:br>
+              <a:rPr lang="da-DK" dirty="0"/>
+            </a:br>
+            <a:r>
+              <a:rPr lang="da-DK" dirty="0"/>
+              <a:t>- Extreme Gradient </a:t>
             </a:r>
             <a:r>
               <a:rPr lang="da-DK" dirty="0" err="1"/>
               <a:t>Boosting</a:t>
-            </a:r>
-            <a:br>
-              <a:rPr lang="da-DK" dirty="0"/>
-            </a:br>
-            <a:r>
-              <a:rPr lang="da-DK" dirty="0"/>
-              <a:t>- </a:t>
-            </a:r>
-            <a:r>
-              <a:rPr lang="da-DK" dirty="0" err="1"/>
-              <a:t>XGBoost</a:t>
             </a:r>
             <a:endParaRPr lang="da-DK" dirty="0"/>
           </a:p>

--- a/Exploring climate data’s relevance to predict energy consumption.pptx
+++ b/Exploring climate data’s relevance to predict energy consumption.pptx
@@ -147,7 +147,7 @@
   <pc:docChgLst>
     <pc:chgData name="Mathias Østergaard" userId="a5d1e7bd90b8f6c9" providerId="LiveId" clId="{7F6AA87F-2719-4F4F-AE1C-C2661332DAC4}"/>
     <pc:docChg chg="undo custSel addSld delSld modSld">
-      <pc:chgData name="Mathias Østergaard" userId="a5d1e7bd90b8f6c9" providerId="LiveId" clId="{7F6AA87F-2719-4F4F-AE1C-C2661332DAC4}" dt="2022-06-16T07:48:09.919" v="3199" actId="20577"/>
+      <pc:chgData name="Mathias Østergaard" userId="a5d1e7bd90b8f6c9" providerId="LiveId" clId="{7F6AA87F-2719-4F4F-AE1C-C2661332DAC4}" dt="2022-06-16T08:44:19.234" v="3707" actId="20577"/>
       <pc:docMkLst>
         <pc:docMk/>
       </pc:docMkLst>
@@ -166,8 +166,23 @@
           </ac:spMkLst>
         </pc:spChg>
       </pc:sldChg>
-      <pc:sldChg chg="addSp modSp mod setBg">
-        <pc:chgData name="Mathias Østergaard" userId="a5d1e7bd90b8f6c9" providerId="LiveId" clId="{7F6AA87F-2719-4F4F-AE1C-C2661332DAC4}" dt="2022-06-16T07:18:58.929" v="3103" actId="20577"/>
+      <pc:sldChg chg="modSp mod modNotesTx">
+        <pc:chgData name="Mathias Østergaard" userId="a5d1e7bd90b8f6c9" providerId="LiveId" clId="{7F6AA87F-2719-4F4F-AE1C-C2661332DAC4}" dt="2022-06-16T08:10:13.682" v="3317" actId="20577"/>
+        <pc:sldMkLst>
+          <pc:docMk/>
+          <pc:sldMk cId="1279887116" sldId="259"/>
+        </pc:sldMkLst>
+        <pc:spChg chg="mod">
+          <ac:chgData name="Mathias Østergaard" userId="a5d1e7bd90b8f6c9" providerId="LiveId" clId="{7F6AA87F-2719-4F4F-AE1C-C2661332DAC4}" dt="2022-06-16T08:09:39.961" v="3217" actId="20577"/>
+          <ac:spMkLst>
+            <pc:docMk/>
+            <pc:sldMk cId="1279887116" sldId="259"/>
+            <ac:spMk id="3" creationId="{C7411BEA-178B-F267-0DC1-09777F7E7827}"/>
+          </ac:spMkLst>
+        </pc:spChg>
+      </pc:sldChg>
+      <pc:sldChg chg="addSp modSp mod setBg modNotesTx">
+        <pc:chgData name="Mathias Østergaard" userId="a5d1e7bd90b8f6c9" providerId="LiveId" clId="{7F6AA87F-2719-4F4F-AE1C-C2661332DAC4}" dt="2022-06-16T08:10:37.447" v="3358" actId="20577"/>
         <pc:sldMkLst>
           <pc:docMk/>
           <pc:sldMk cId="1519990064" sldId="261"/>
@@ -229,8 +244,8 @@
           </ac:picMkLst>
         </pc:picChg>
       </pc:sldChg>
-      <pc:sldChg chg="addSp modSp new mod setBg">
-        <pc:chgData name="Mathias Østergaard" userId="a5d1e7bd90b8f6c9" providerId="LiveId" clId="{7F6AA87F-2719-4F4F-AE1C-C2661332DAC4}" dt="2022-06-16T07:19:42.464" v="3104" actId="790"/>
+      <pc:sldChg chg="addSp modSp new mod setBg modNotesTx">
+        <pc:chgData name="Mathias Østergaard" userId="a5d1e7bd90b8f6c9" providerId="LiveId" clId="{7F6AA87F-2719-4F4F-AE1C-C2661332DAC4}" dt="2022-06-16T08:11:18.584" v="3384" actId="20577"/>
         <pc:sldMkLst>
           <pc:docMk/>
           <pc:sldMk cId="1689849209" sldId="262"/>
@@ -244,7 +259,7 @@
           </ac:spMkLst>
         </pc:spChg>
         <pc:spChg chg="mod">
-          <ac:chgData name="Mathias Østergaard" userId="a5d1e7bd90b8f6c9" providerId="LiveId" clId="{7F6AA87F-2719-4F4F-AE1C-C2661332DAC4}" dt="2022-06-16T07:19:42.464" v="3104" actId="790"/>
+          <ac:chgData name="Mathias Østergaard" userId="a5d1e7bd90b8f6c9" providerId="LiveId" clId="{7F6AA87F-2719-4F4F-AE1C-C2661332DAC4}" dt="2022-06-16T08:11:11.850" v="3378" actId="20577"/>
           <ac:spMkLst>
             <pc:docMk/>
             <pc:sldMk cId="1689849209" sldId="262"/>
@@ -411,8 +426,8 @@
           </ac:picMkLst>
         </pc:picChg>
       </pc:sldChg>
-      <pc:sldChg chg="addSp modSp new mod setBg">
-        <pc:chgData name="Mathias Østergaard" userId="a5d1e7bd90b8f6c9" providerId="LiveId" clId="{7F6AA87F-2719-4F4F-AE1C-C2661332DAC4}" dt="2022-06-15T18:41:24.212" v="879" actId="20577"/>
+      <pc:sldChg chg="addSp modSp new mod setBg modNotesTx">
+        <pc:chgData name="Mathias Østergaard" userId="a5d1e7bd90b8f6c9" providerId="LiveId" clId="{7F6AA87F-2719-4F4F-AE1C-C2661332DAC4}" dt="2022-06-16T08:31:24.976" v="3576" actId="20577"/>
         <pc:sldMkLst>
           <pc:docMk/>
           <pc:sldMk cId="852474702" sldId="264"/>
@@ -442,8 +457,8 @@
           </ac:picMkLst>
         </pc:picChg>
       </pc:sldChg>
-      <pc:sldChg chg="addSp delSp modSp new mod setBg">
-        <pc:chgData name="Mathias Østergaard" userId="a5d1e7bd90b8f6c9" providerId="LiveId" clId="{7F6AA87F-2719-4F4F-AE1C-C2661332DAC4}" dt="2022-06-16T07:37:30.185" v="3126" actId="26606"/>
+      <pc:sldChg chg="addSp delSp modSp new mod setBg modNotesTx">
+        <pc:chgData name="Mathias Østergaard" userId="a5d1e7bd90b8f6c9" providerId="LiveId" clId="{7F6AA87F-2719-4F4F-AE1C-C2661332DAC4}" dt="2022-06-16T08:44:19.234" v="3707" actId="20577"/>
         <pc:sldMkLst>
           <pc:docMk/>
           <pc:sldMk cId="894085660" sldId="265"/>
@@ -457,7 +472,7 @@
           </ac:spMkLst>
         </pc:spChg>
         <pc:spChg chg="mod">
-          <ac:chgData name="Mathias Østergaard" userId="a5d1e7bd90b8f6c9" providerId="LiveId" clId="{7F6AA87F-2719-4F4F-AE1C-C2661332DAC4}" dt="2022-06-16T07:37:30.185" v="3126" actId="26606"/>
+          <ac:chgData name="Mathias Østergaard" userId="a5d1e7bd90b8f6c9" providerId="LiveId" clId="{7F6AA87F-2719-4F4F-AE1C-C2661332DAC4}" dt="2022-06-16T08:37:07.631" v="3619" actId="20577"/>
           <ac:spMkLst>
             <pc:docMk/>
             <pc:sldMk cId="894085660" sldId="265"/>
@@ -4061,6 +4076,686 @@
 </p:notesMaster>
 </file>
 
+<file path=ppt/notesSlides/notesSlide1.xml><?xml version="1.0" encoding="utf-8"?>
+<p:notes xmlns:a="http://schemas.openxmlformats.org/drawingml/2006/main" xmlns:r="http://schemas.openxmlformats.org/officeDocument/2006/relationships" xmlns:p="http://schemas.openxmlformats.org/presentationml/2006/main">
+  <p:cSld>
+    <p:spTree>
+      <p:nvGrpSpPr>
+        <p:cNvPr id="1" name=""/>
+        <p:cNvGrpSpPr/>
+        <p:nvPr/>
+      </p:nvGrpSpPr>
+      <p:grpSpPr>
+        <a:xfrm>
+          <a:off x="0" y="0"/>
+          <a:ext cx="0" cy="0"/>
+          <a:chOff x="0" y="0"/>
+          <a:chExt cx="0" cy="0"/>
+        </a:xfrm>
+      </p:grpSpPr>
+      <p:sp>
+        <p:nvSpPr>
+          <p:cNvPr id="2" name="Pladsholder til slidebillede 1"/>
+          <p:cNvSpPr>
+            <a:spLocks noGrp="1" noRot="1" noChangeAspect="1"/>
+          </p:cNvSpPr>
+          <p:nvPr>
+            <p:ph type="sldImg"/>
+          </p:nvPr>
+        </p:nvSpPr>
+        <p:spPr/>
+      </p:sp>
+      <p:sp>
+        <p:nvSpPr>
+          <p:cNvPr id="3" name="Pladsholder til noter 2"/>
+          <p:cNvSpPr>
+            <a:spLocks noGrp="1"/>
+          </p:cNvSpPr>
+          <p:nvPr>
+            <p:ph type="body" idx="1"/>
+          </p:nvPr>
+        </p:nvSpPr>
+        <p:spPr/>
+        <p:txBody>
+          <a:bodyPr/>
+          <a:lstStyle/>
+          <a:p>
+            <a:r>
+              <a:rPr lang="da-DK" dirty="0" err="1"/>
+              <a:t>Many</a:t>
+            </a:r>
+            <a:r>
+              <a:rPr lang="da-DK" dirty="0"/>
+              <a:t> stations in CPH, but </a:t>
+            </a:r>
+            <a:r>
+              <a:rPr lang="da-DK" dirty="0" err="1"/>
+              <a:t>that</a:t>
+            </a:r>
+            <a:r>
+              <a:rPr lang="da-DK" dirty="0"/>
+              <a:t> is </a:t>
+            </a:r>
+            <a:r>
+              <a:rPr lang="da-DK" dirty="0" err="1"/>
+              <a:t>also</a:t>
+            </a:r>
+            <a:r>
+              <a:rPr lang="da-DK" dirty="0"/>
+              <a:t> </a:t>
+            </a:r>
+            <a:r>
+              <a:rPr lang="da-DK" dirty="0" err="1"/>
+              <a:t>where</a:t>
+            </a:r>
+            <a:r>
+              <a:rPr lang="da-DK" dirty="0"/>
+              <a:t> a </a:t>
+            </a:r>
+            <a:r>
+              <a:rPr lang="da-DK" dirty="0" err="1"/>
+              <a:t>majority</a:t>
+            </a:r>
+            <a:r>
+              <a:rPr lang="da-DK" dirty="0"/>
+              <a:t> of the </a:t>
+            </a:r>
+            <a:r>
+              <a:rPr lang="da-DK" dirty="0" err="1"/>
+              <a:t>consumptions</a:t>
+            </a:r>
+            <a:r>
+              <a:rPr lang="da-DK" dirty="0"/>
+              <a:t> is</a:t>
+            </a:r>
+          </a:p>
+        </p:txBody>
+      </p:sp>
+      <p:sp>
+        <p:nvSpPr>
+          <p:cNvPr id="4" name="Pladsholder til slidenummer 3"/>
+          <p:cNvSpPr>
+            <a:spLocks noGrp="1"/>
+          </p:cNvSpPr>
+          <p:nvPr>
+            <p:ph type="sldNum" sz="quarter" idx="5"/>
+          </p:nvPr>
+        </p:nvSpPr>
+        <p:spPr/>
+        <p:txBody>
+          <a:bodyPr/>
+          <a:lstStyle/>
+          <a:p>
+            <a:fld id="{429920BF-1F0D-4EA5-A8AF-C0C2AA4AF747}" type="slidenum">
+              <a:rPr lang="da-DK" smtClean="0"/>
+              <a:t>4</a:t>
+            </a:fld>
+            <a:endParaRPr lang="da-DK"/>
+          </a:p>
+        </p:txBody>
+      </p:sp>
+    </p:spTree>
+    <p:extLst>
+      <p:ext uri="{BB962C8B-B14F-4D97-AF65-F5344CB8AC3E}">
+        <p14:creationId xmlns:p14="http://schemas.microsoft.com/office/powerpoint/2010/main" val="1951575134"/>
+      </p:ext>
+    </p:extLst>
+  </p:cSld>
+  <p:clrMapOvr>
+    <a:masterClrMapping/>
+  </p:clrMapOvr>
+</p:notes>
+</file>
+
+<file path=ppt/notesSlides/notesSlide2.xml><?xml version="1.0" encoding="utf-8"?>
+<p:notes xmlns:a="http://schemas.openxmlformats.org/drawingml/2006/main" xmlns:r="http://schemas.openxmlformats.org/officeDocument/2006/relationships" xmlns:p="http://schemas.openxmlformats.org/presentationml/2006/main">
+  <p:cSld>
+    <p:spTree>
+      <p:nvGrpSpPr>
+        <p:cNvPr id="1" name=""/>
+        <p:cNvGrpSpPr/>
+        <p:nvPr/>
+      </p:nvGrpSpPr>
+      <p:grpSpPr>
+        <a:xfrm>
+          <a:off x="0" y="0"/>
+          <a:ext cx="0" cy="0"/>
+          <a:chOff x="0" y="0"/>
+          <a:chExt cx="0" cy="0"/>
+        </a:xfrm>
+      </p:grpSpPr>
+      <p:sp>
+        <p:nvSpPr>
+          <p:cNvPr id="2" name="Pladsholder til slidebillede 1"/>
+          <p:cNvSpPr>
+            <a:spLocks noGrp="1" noRot="1" noChangeAspect="1"/>
+          </p:cNvSpPr>
+          <p:nvPr>
+            <p:ph type="sldImg"/>
+          </p:nvPr>
+        </p:nvSpPr>
+        <p:spPr/>
+      </p:sp>
+      <p:sp>
+        <p:nvSpPr>
+          <p:cNvPr id="3" name="Pladsholder til noter 2"/>
+          <p:cNvSpPr>
+            <a:spLocks noGrp="1"/>
+          </p:cNvSpPr>
+          <p:nvPr>
+            <p:ph type="body" idx="1"/>
+          </p:nvPr>
+        </p:nvSpPr>
+        <p:spPr/>
+        <p:txBody>
+          <a:bodyPr/>
+          <a:lstStyle/>
+          <a:p>
+            <a:r>
+              <a:rPr lang="da-DK" dirty="0"/>
+              <a:t>No real </a:t>
+            </a:r>
+            <a:r>
+              <a:rPr lang="da-DK" dirty="0" err="1"/>
+              <a:t>change</a:t>
+            </a:r>
+            <a:r>
+              <a:rPr lang="da-DK" dirty="0"/>
+              <a:t> </a:t>
+            </a:r>
+            <a:r>
+              <a:rPr lang="da-DK" dirty="0" err="1"/>
+              <a:t>going</a:t>
+            </a:r>
+            <a:r>
+              <a:rPr lang="da-DK" dirty="0"/>
+              <a:t> from 1hr to 48hr</a:t>
+            </a:r>
+          </a:p>
+        </p:txBody>
+      </p:sp>
+      <p:sp>
+        <p:nvSpPr>
+          <p:cNvPr id="4" name="Pladsholder til slidenummer 3"/>
+          <p:cNvSpPr>
+            <a:spLocks noGrp="1"/>
+          </p:cNvSpPr>
+          <p:nvPr>
+            <p:ph type="sldNum" sz="quarter" idx="5"/>
+          </p:nvPr>
+        </p:nvSpPr>
+        <p:spPr/>
+        <p:txBody>
+          <a:bodyPr/>
+          <a:lstStyle/>
+          <a:p>
+            <a:fld id="{429920BF-1F0D-4EA5-A8AF-C0C2AA4AF747}" type="slidenum">
+              <a:rPr lang="da-DK" smtClean="0"/>
+              <a:t>6</a:t>
+            </a:fld>
+            <a:endParaRPr lang="da-DK"/>
+          </a:p>
+        </p:txBody>
+      </p:sp>
+    </p:spTree>
+    <p:extLst>
+      <p:ext uri="{BB962C8B-B14F-4D97-AF65-F5344CB8AC3E}">
+        <p14:creationId xmlns:p14="http://schemas.microsoft.com/office/powerpoint/2010/main" val="2266360089"/>
+      </p:ext>
+    </p:extLst>
+  </p:cSld>
+  <p:clrMapOvr>
+    <a:masterClrMapping/>
+  </p:clrMapOvr>
+</p:notes>
+</file>
+
+<file path=ppt/notesSlides/notesSlide3.xml><?xml version="1.0" encoding="utf-8"?>
+<p:notes xmlns:a="http://schemas.openxmlformats.org/drawingml/2006/main" xmlns:r="http://schemas.openxmlformats.org/officeDocument/2006/relationships" xmlns:p="http://schemas.openxmlformats.org/presentationml/2006/main">
+  <p:cSld>
+    <p:spTree>
+      <p:nvGrpSpPr>
+        <p:cNvPr id="1" name=""/>
+        <p:cNvGrpSpPr/>
+        <p:nvPr/>
+      </p:nvGrpSpPr>
+      <p:grpSpPr>
+        <a:xfrm>
+          <a:off x="0" y="0"/>
+          <a:ext cx="0" cy="0"/>
+          <a:chOff x="0" y="0"/>
+          <a:chExt cx="0" cy="0"/>
+        </a:xfrm>
+      </p:grpSpPr>
+      <p:sp>
+        <p:nvSpPr>
+          <p:cNvPr id="2" name="Pladsholder til slidebillede 1"/>
+          <p:cNvSpPr>
+            <a:spLocks noGrp="1" noRot="1" noChangeAspect="1"/>
+          </p:cNvSpPr>
+          <p:nvPr>
+            <p:ph type="sldImg"/>
+          </p:nvPr>
+        </p:nvSpPr>
+        <p:spPr/>
+      </p:sp>
+      <p:sp>
+        <p:nvSpPr>
+          <p:cNvPr id="3" name="Pladsholder til noter 2"/>
+          <p:cNvSpPr>
+            <a:spLocks noGrp="1"/>
+          </p:cNvSpPr>
+          <p:nvPr>
+            <p:ph type="body" idx="1"/>
+          </p:nvPr>
+        </p:nvSpPr>
+        <p:spPr/>
+        <p:txBody>
+          <a:bodyPr/>
+          <a:lstStyle/>
+          <a:p>
+            <a:endParaRPr lang="da-DK" dirty="0"/>
+          </a:p>
+        </p:txBody>
+      </p:sp>
+      <p:sp>
+        <p:nvSpPr>
+          <p:cNvPr id="4" name="Pladsholder til slidenummer 3"/>
+          <p:cNvSpPr>
+            <a:spLocks noGrp="1"/>
+          </p:cNvSpPr>
+          <p:nvPr>
+            <p:ph type="sldNum" sz="quarter" idx="5"/>
+          </p:nvPr>
+        </p:nvSpPr>
+        <p:spPr/>
+        <p:txBody>
+          <a:bodyPr/>
+          <a:lstStyle/>
+          <a:p>
+            <a:fld id="{429920BF-1F0D-4EA5-A8AF-C0C2AA4AF747}" type="slidenum">
+              <a:rPr lang="da-DK" smtClean="0"/>
+              <a:t>7</a:t>
+            </a:fld>
+            <a:endParaRPr lang="da-DK"/>
+          </a:p>
+        </p:txBody>
+      </p:sp>
+    </p:spTree>
+    <p:extLst>
+      <p:ext uri="{BB962C8B-B14F-4D97-AF65-F5344CB8AC3E}">
+        <p14:creationId xmlns:p14="http://schemas.microsoft.com/office/powerpoint/2010/main" val="954886086"/>
+      </p:ext>
+    </p:extLst>
+  </p:cSld>
+  <p:clrMapOvr>
+    <a:masterClrMapping/>
+  </p:clrMapOvr>
+</p:notes>
+</file>
+
+<file path=ppt/notesSlides/notesSlide4.xml><?xml version="1.0" encoding="utf-8"?>
+<p:notes xmlns:a="http://schemas.openxmlformats.org/drawingml/2006/main" xmlns:r="http://schemas.openxmlformats.org/officeDocument/2006/relationships" xmlns:p="http://schemas.openxmlformats.org/presentationml/2006/main">
+  <p:cSld>
+    <p:spTree>
+      <p:nvGrpSpPr>
+        <p:cNvPr id="1" name=""/>
+        <p:cNvGrpSpPr/>
+        <p:nvPr/>
+      </p:nvGrpSpPr>
+      <p:grpSpPr>
+        <a:xfrm>
+          <a:off x="0" y="0"/>
+          <a:ext cx="0" cy="0"/>
+          <a:chOff x="0" y="0"/>
+          <a:chExt cx="0" cy="0"/>
+        </a:xfrm>
+      </p:grpSpPr>
+      <p:sp>
+        <p:nvSpPr>
+          <p:cNvPr id="2" name="Pladsholder til slidebillede 1"/>
+          <p:cNvSpPr>
+            <a:spLocks noGrp="1" noRot="1" noChangeAspect="1"/>
+          </p:cNvSpPr>
+          <p:nvPr>
+            <p:ph type="sldImg"/>
+          </p:nvPr>
+        </p:nvSpPr>
+        <p:spPr/>
+      </p:sp>
+      <p:sp>
+        <p:nvSpPr>
+          <p:cNvPr id="3" name="Pladsholder til noter 2"/>
+          <p:cNvSpPr>
+            <a:spLocks noGrp="1"/>
+          </p:cNvSpPr>
+          <p:nvPr>
+            <p:ph type="body" idx="1"/>
+          </p:nvPr>
+        </p:nvSpPr>
+        <p:spPr/>
+        <p:txBody>
+          <a:bodyPr/>
+          <a:lstStyle/>
+          <a:p>
+            <a:r>
+              <a:rPr lang="da-DK" dirty="0"/>
+              <a:t>The x is </a:t>
+            </a:r>
+            <a:r>
+              <a:rPr lang="da-DK" dirty="0" err="1"/>
+              <a:t>capital</a:t>
+            </a:r>
+            <a:r>
+              <a:rPr lang="da-DK" dirty="0"/>
+              <a:t> </a:t>
+            </a:r>
+            <a:r>
+              <a:rPr lang="da-DK" dirty="0" err="1"/>
+              <a:t>because</a:t>
+            </a:r>
+            <a:r>
+              <a:rPr lang="da-DK" dirty="0"/>
+              <a:t> </a:t>
+            </a:r>
+            <a:r>
+              <a:rPr lang="da-DK" dirty="0" err="1"/>
+              <a:t>that</a:t>
+            </a:r>
+            <a:r>
+              <a:rPr lang="da-DK" dirty="0"/>
+              <a:t> is </a:t>
+            </a:r>
+            <a:r>
+              <a:rPr lang="da-DK" dirty="0" err="1"/>
+              <a:t>where</a:t>
+            </a:r>
+            <a:r>
+              <a:rPr lang="da-DK" dirty="0"/>
+              <a:t> the x in </a:t>
+            </a:r>
+            <a:r>
+              <a:rPr lang="da-DK" dirty="0" err="1"/>
+              <a:t>xgboost</a:t>
+            </a:r>
+            <a:r>
+              <a:rPr lang="da-DK" dirty="0"/>
+              <a:t> </a:t>
+            </a:r>
+            <a:r>
+              <a:rPr lang="da-DK" dirty="0" err="1"/>
+              <a:t>comes</a:t>
+            </a:r>
+            <a:r>
+              <a:rPr lang="da-DK" dirty="0"/>
+              <a:t> from</a:t>
+            </a:r>
+          </a:p>
+          <a:p>
+            <a:r>
+              <a:rPr lang="da-DK" dirty="0"/>
+              <a:t>L2 </a:t>
+            </a:r>
+            <a:r>
+              <a:rPr lang="da-DK" dirty="0" err="1"/>
+              <a:t>reg</a:t>
+            </a:r>
+            <a:r>
+              <a:rPr lang="da-DK" dirty="0"/>
+              <a:t> </a:t>
+            </a:r>
+            <a:r>
+              <a:rPr lang="da-DK" dirty="0" err="1"/>
+              <a:t>introduces</a:t>
+            </a:r>
+            <a:r>
+              <a:rPr lang="da-DK" dirty="0"/>
+              <a:t> bias to the </a:t>
+            </a:r>
+            <a:r>
+              <a:rPr lang="da-DK" dirty="0" err="1"/>
+              <a:t>prediction</a:t>
+            </a:r>
+            <a:r>
+              <a:rPr lang="da-DK" dirty="0"/>
+              <a:t> in </a:t>
+            </a:r>
+            <a:r>
+              <a:rPr lang="da-DK" dirty="0" err="1"/>
+              <a:t>order</a:t>
+            </a:r>
+            <a:r>
+              <a:rPr lang="da-DK" dirty="0"/>
+              <a:t> to </a:t>
+            </a:r>
+            <a:r>
+              <a:rPr lang="da-DK" dirty="0" err="1"/>
+              <a:t>reduce</a:t>
+            </a:r>
+            <a:r>
+              <a:rPr lang="da-DK" dirty="0"/>
+              <a:t> </a:t>
+            </a:r>
+            <a:r>
+              <a:rPr lang="da-DK" dirty="0" err="1"/>
+              <a:t>variance</a:t>
+            </a:r>
+            <a:endParaRPr lang="da-DK" dirty="0"/>
+          </a:p>
+          <a:p>
+            <a:r>
+              <a:rPr lang="da-DK" dirty="0"/>
+              <a:t>L1 </a:t>
+            </a:r>
+            <a:r>
+              <a:rPr lang="da-DK" dirty="0" err="1"/>
+              <a:t>reg</a:t>
+            </a:r>
+            <a:r>
+              <a:rPr lang="da-DK" dirty="0"/>
+              <a:t> </a:t>
+            </a:r>
+          </a:p>
+        </p:txBody>
+      </p:sp>
+      <p:sp>
+        <p:nvSpPr>
+          <p:cNvPr id="4" name="Pladsholder til slidenummer 3"/>
+          <p:cNvSpPr>
+            <a:spLocks noGrp="1"/>
+          </p:cNvSpPr>
+          <p:nvPr>
+            <p:ph type="sldNum" sz="quarter" idx="5"/>
+          </p:nvPr>
+        </p:nvSpPr>
+        <p:spPr/>
+        <p:txBody>
+          <a:bodyPr/>
+          <a:lstStyle/>
+          <a:p>
+            <a:fld id="{429920BF-1F0D-4EA5-A8AF-C0C2AA4AF747}" type="slidenum">
+              <a:rPr lang="da-DK" smtClean="0"/>
+              <a:t>9</a:t>
+            </a:fld>
+            <a:endParaRPr lang="da-DK"/>
+          </a:p>
+        </p:txBody>
+      </p:sp>
+    </p:spTree>
+    <p:extLst>
+      <p:ext uri="{BB962C8B-B14F-4D97-AF65-F5344CB8AC3E}">
+        <p14:creationId xmlns:p14="http://schemas.microsoft.com/office/powerpoint/2010/main" val="2062321701"/>
+      </p:ext>
+    </p:extLst>
+  </p:cSld>
+  <p:clrMapOvr>
+    <a:masterClrMapping/>
+  </p:clrMapOvr>
+</p:notes>
+</file>
+
+<file path=ppt/notesSlides/notesSlide5.xml><?xml version="1.0" encoding="utf-8"?>
+<p:notes xmlns:a="http://schemas.openxmlformats.org/drawingml/2006/main" xmlns:r="http://schemas.openxmlformats.org/officeDocument/2006/relationships" xmlns:p="http://schemas.openxmlformats.org/presentationml/2006/main">
+  <p:cSld>
+    <p:spTree>
+      <p:nvGrpSpPr>
+        <p:cNvPr id="1" name=""/>
+        <p:cNvGrpSpPr/>
+        <p:nvPr/>
+      </p:nvGrpSpPr>
+      <p:grpSpPr>
+        <a:xfrm>
+          <a:off x="0" y="0"/>
+          <a:ext cx="0" cy="0"/>
+          <a:chOff x="0" y="0"/>
+          <a:chExt cx="0" cy="0"/>
+        </a:xfrm>
+      </p:grpSpPr>
+      <p:sp>
+        <p:nvSpPr>
+          <p:cNvPr id="2" name="Pladsholder til slidebillede 1"/>
+          <p:cNvSpPr>
+            <a:spLocks noGrp="1" noRot="1" noChangeAspect="1"/>
+          </p:cNvSpPr>
+          <p:nvPr>
+            <p:ph type="sldImg"/>
+          </p:nvPr>
+        </p:nvSpPr>
+        <p:spPr/>
+      </p:sp>
+      <p:sp>
+        <p:nvSpPr>
+          <p:cNvPr id="3" name="Pladsholder til noter 2"/>
+          <p:cNvSpPr>
+            <a:spLocks noGrp="1"/>
+          </p:cNvSpPr>
+          <p:nvPr>
+            <p:ph type="body" idx="1"/>
+          </p:nvPr>
+        </p:nvSpPr>
+        <p:spPr/>
+        <p:txBody>
+          <a:bodyPr/>
+          <a:lstStyle/>
+          <a:p>
+            <a:r>
+              <a:rPr lang="da-DK" dirty="0"/>
+              <a:t>Has </a:t>
+            </a:r>
+            <a:r>
+              <a:rPr lang="da-DK" dirty="0" err="1"/>
+              <a:t>both</a:t>
+            </a:r>
+            <a:r>
+              <a:rPr lang="da-DK" dirty="0"/>
+              <a:t> </a:t>
+            </a:r>
+            <a:r>
+              <a:rPr lang="da-DK" dirty="0" err="1"/>
+              <a:t>hidden</a:t>
+            </a:r>
+            <a:r>
+              <a:rPr lang="da-DK" dirty="0"/>
+              <a:t> </a:t>
+            </a:r>
+            <a:r>
+              <a:rPr lang="da-DK" dirty="0" err="1"/>
+              <a:t>state</a:t>
+            </a:r>
+            <a:r>
+              <a:rPr lang="da-DK" dirty="0"/>
+              <a:t> and </a:t>
+            </a:r>
+            <a:r>
+              <a:rPr lang="da-DK" dirty="0" err="1"/>
+              <a:t>memory</a:t>
+            </a:r>
+            <a:r>
+              <a:rPr lang="da-DK" dirty="0"/>
+              <a:t> </a:t>
+            </a:r>
+            <a:r>
+              <a:rPr lang="da-DK" dirty="0" err="1"/>
+              <a:t>cell</a:t>
+            </a:r>
+            <a:endParaRPr lang="da-DK" dirty="0"/>
+          </a:p>
+          <a:p>
+            <a:r>
+              <a:rPr lang="da-DK" dirty="0"/>
+              <a:t>\</a:t>
+            </a:r>
+            <a:r>
+              <a:rPr lang="da-DK" dirty="0" err="1"/>
+              <a:t>odot</a:t>
+            </a:r>
+            <a:r>
+              <a:rPr lang="da-DK" dirty="0"/>
+              <a:t> </a:t>
+            </a:r>
+            <a:r>
+              <a:rPr lang="da-DK" dirty="0" err="1"/>
+              <a:t>means</a:t>
+            </a:r>
+            <a:r>
+              <a:rPr lang="da-DK" dirty="0"/>
+              <a:t> </a:t>
+            </a:r>
+            <a:r>
+              <a:rPr lang="da-DK" dirty="0" err="1"/>
+              <a:t>elementwise</a:t>
+            </a:r>
+            <a:r>
+              <a:rPr lang="da-DK" dirty="0"/>
+              <a:t> product or the </a:t>
+            </a:r>
+            <a:r>
+              <a:rPr lang="da-DK" dirty="0" err="1"/>
+              <a:t>dot</a:t>
+            </a:r>
+            <a:r>
+              <a:rPr lang="da-DK"/>
+              <a:t> product</a:t>
+            </a:r>
+          </a:p>
+        </p:txBody>
+      </p:sp>
+      <p:sp>
+        <p:nvSpPr>
+          <p:cNvPr id="4" name="Pladsholder til slidenummer 3"/>
+          <p:cNvSpPr>
+            <a:spLocks noGrp="1"/>
+          </p:cNvSpPr>
+          <p:nvPr>
+            <p:ph type="sldNum" sz="quarter" idx="5"/>
+          </p:nvPr>
+        </p:nvSpPr>
+        <p:spPr/>
+        <p:txBody>
+          <a:bodyPr/>
+          <a:lstStyle/>
+          <a:p>
+            <a:fld id="{429920BF-1F0D-4EA5-A8AF-C0C2AA4AF747}" type="slidenum">
+              <a:rPr lang="da-DK" smtClean="0"/>
+              <a:t>10</a:t>
+            </a:fld>
+            <a:endParaRPr lang="da-DK"/>
+          </a:p>
+        </p:txBody>
+      </p:sp>
+    </p:spTree>
+    <p:extLst>
+      <p:ext uri="{BB962C8B-B14F-4D97-AF65-F5344CB8AC3E}">
+        <p14:creationId xmlns:p14="http://schemas.microsoft.com/office/powerpoint/2010/main" val="81274418"/>
+      </p:ext>
+    </p:extLst>
+  </p:cSld>
+  <p:clrMapOvr>
+    <a:masterClrMapping/>
+  </p:clrMapOvr>
+</p:notes>
+</file>
+
 <file path=ppt/slideLayouts/slideLayout1.xml><?xml version="1.0" encoding="utf-8"?>
 <p:sldLayout xmlns:a="http://schemas.openxmlformats.org/drawingml/2006/main" xmlns:r="http://schemas.openxmlformats.org/officeDocument/2006/relationships" xmlns:p="http://schemas.openxmlformats.org/presentationml/2006/main" showMasterSp="0" type="title" preserve="1">
   <p:cSld name="Titelslide">
@@ -8344,7 +9039,7 @@
           <a:lstStyle/>
           <a:p>
             <a:r>
-              <a:rPr lang="da-DK" sz="1800"/>
+              <a:rPr lang="da-DK" sz="1800" dirty="0" err="1"/>
               <a:t>Subcategory</a:t>
             </a:r>
             <a:r>
@@ -8352,7 +9047,7 @@
               <a:t> of a </a:t>
             </a:r>
             <a:r>
-              <a:rPr lang="da-DK" sz="1800"/>
+              <a:rPr lang="da-DK" sz="1800" dirty="0" err="1"/>
               <a:t>recurrent</a:t>
             </a:r>
             <a:r>
@@ -8360,14 +9055,14 @@
               <a:t> neural </a:t>
             </a:r>
             <a:r>
-              <a:rPr lang="da-DK" sz="1800"/>
+              <a:rPr lang="da-DK" sz="1800" dirty="0" err="1"/>
               <a:t>network</a:t>
             </a:r>
             <a:endParaRPr lang="da-DK" sz="1800" dirty="0"/>
           </a:p>
           <a:p>
             <a:r>
-              <a:rPr lang="da-DK" sz="1800"/>
+              <a:rPr lang="da-DK" sz="1800" dirty="0" err="1"/>
               <a:t>Subcategory</a:t>
             </a:r>
             <a:r>
@@ -8375,7 +9070,7 @@
               <a:t> of a neural </a:t>
             </a:r>
             <a:r>
-              <a:rPr lang="da-DK" sz="1800"/>
+              <a:rPr lang="da-DK" sz="1800" dirty="0" err="1"/>
               <a:t>network</a:t>
             </a:r>
             <a:endParaRPr lang="da-DK" sz="1800" dirty="0"/>
@@ -8386,7 +9081,7 @@
               <a:t>Can store information </a:t>
             </a:r>
             <a:r>
-              <a:rPr lang="da-DK" sz="1800"/>
+              <a:rPr lang="da-DK" sz="1800" dirty="0" err="1"/>
               <a:t>between</a:t>
             </a:r>
             <a:r>
@@ -8397,11 +9092,33 @@
           <a:p>
             <a:r>
               <a:rPr lang="da-DK" sz="1800" dirty="0"/>
+              <a:t>Temporal data</a:t>
+            </a:r>
+          </a:p>
+          <a:p>
+            <a:r>
+              <a:rPr lang="da-DK" sz="1800" dirty="0"/>
               <a:t>Hidden </a:t>
             </a:r>
             <a:r>
-              <a:rPr lang="da-DK" sz="1800"/>
+              <a:rPr lang="da-DK" sz="1800" dirty="0" err="1"/>
               <a:t>state</a:t>
+            </a:r>
+            <a:r>
+              <a:rPr lang="da-DK" sz="1800" dirty="0"/>
+              <a:t> + </a:t>
+            </a:r>
+            <a:r>
+              <a:rPr lang="da-DK" sz="1800" dirty="0" err="1"/>
+              <a:t>memory</a:t>
+            </a:r>
+            <a:r>
+              <a:rPr lang="da-DK" sz="1800" dirty="0"/>
+              <a:t> </a:t>
+            </a:r>
+            <a:r>
+              <a:rPr lang="da-DK" sz="1800" dirty="0" err="1"/>
+              <a:t>cell</a:t>
             </a:r>
             <a:endParaRPr lang="da-DK" sz="1800" dirty="0"/>
           </a:p>
@@ -8422,7 +9139,7 @@
           <p:nvPr/>
         </p:nvPicPr>
         <p:blipFill>
-          <a:blip r:embed="rId2"/>
+          <a:blip r:embed="rId3"/>
           <a:stretch>
             <a:fillRect/>
           </a:stretch>
@@ -11218,13 +11935,13 @@
           <a:p>
             <a:r>
               <a:rPr lang="da-DK" dirty="0"/>
-              <a:t>25 for DK1 </a:t>
-            </a:r>
-          </a:p>
-          <a:p>
-            <a:r>
-              <a:rPr lang="da-DK" dirty="0"/>
-              <a:t>15 for DK2</a:t>
+              <a:t>25 stations for DK1 </a:t>
+            </a:r>
+          </a:p>
+          <a:p>
+            <a:r>
+              <a:rPr lang="da-DK" dirty="0"/>
+              <a:t>15 stations for DK2</a:t>
             </a:r>
           </a:p>
         </p:txBody>
@@ -11244,7 +11961,7 @@
           <p:nvPr/>
         </p:nvPicPr>
         <p:blipFill>
-          <a:blip r:embed="rId2"/>
+          <a:blip r:embed="rId3"/>
           <a:stretch>
             <a:fillRect/>
           </a:stretch>
@@ -12495,7 +13212,7 @@
           <p:nvPr/>
         </p:nvPicPr>
         <p:blipFill>
-          <a:blip r:embed="rId2"/>
+          <a:blip r:embed="rId3"/>
           <a:stretch>
             <a:fillRect/>
           </a:stretch>
@@ -12529,7 +13246,7 @@
           <p:nvPr/>
         </p:nvPicPr>
         <p:blipFill>
-          <a:blip r:embed="rId3"/>
+          <a:blip r:embed="rId4"/>
           <a:stretch>
             <a:fillRect/>
           </a:stretch>
@@ -12563,7 +13280,7 @@
           <p:nvPr/>
         </p:nvPicPr>
         <p:blipFill>
-          <a:blip r:embed="rId4"/>
+          <a:blip r:embed="rId5"/>
           <a:stretch>
             <a:fillRect/>
           </a:stretch>
@@ -12711,6 +13428,21 @@
           </a:p>
           <a:p>
             <a:r>
+              <a:rPr lang="da-DK" dirty="0" err="1"/>
+              <a:t>Degree</a:t>
+            </a:r>
+            <a:r>
+              <a:rPr lang="da-DK" dirty="0"/>
+              <a:t> </a:t>
+            </a:r>
+            <a:r>
+              <a:rPr lang="da-DK" dirty="0" err="1"/>
+              <a:t>days</a:t>
+            </a:r>
+            <a:endParaRPr lang="da-DK" dirty="0"/>
+          </a:p>
+          <a:p>
+            <a:r>
               <a:rPr lang="da-DK" dirty="0"/>
               <a:t>SHAP-</a:t>
             </a:r>
@@ -12755,7 +13487,7 @@
           <p:nvPr/>
         </p:nvPicPr>
         <p:blipFill>
-          <a:blip r:embed="rId2"/>
+          <a:blip r:embed="rId3"/>
           <a:stretch>
             <a:fillRect/>
           </a:stretch>
@@ -12785,7 +13517,7 @@
           <p:nvPr/>
         </p:nvPicPr>
         <p:blipFill>
-          <a:blip r:embed="rId3"/>
+          <a:blip r:embed="rId4"/>
           <a:stretch>
             <a:fillRect/>
           </a:stretch>
@@ -13298,7 +14030,7 @@
           <p:nvPr/>
         </p:nvPicPr>
         <p:blipFill>
-          <a:blip r:embed="rId2"/>
+          <a:blip r:embed="rId3"/>
           <a:stretch>
             <a:fillRect/>
           </a:stretch>

--- a/Exploring climate data’s relevance to predict energy consumption.pptx
+++ b/Exploring climate data’s relevance to predict energy consumption.pptx
@@ -144,6 +144,22 @@
 
 <file path=ppt/changesInfos/changesInfo1.xml><?xml version="1.0" encoding="utf-8"?>
 <pc:chgInfo xmlns:a="http://schemas.openxmlformats.org/drawingml/2006/main" xmlns:r="http://schemas.openxmlformats.org/officeDocument/2006/relationships" xmlns:ac="http://schemas.microsoft.com/office/drawing/2013/main/command" xmlns:pc="http://schemas.microsoft.com/office/powerpoint/2013/main/command">
+  <pc:docChgLst>
+    <pc:chgData name="Mathias Østergaard Hansen" userId="b7fcfced-beb2-45ad-a9ff-678f6b94dd21" providerId="ADAL" clId="{3CAEE8DF-CD62-4FF0-8235-A58B5840A0C5}"/>
+    <pc:docChg chg="custSel modSld">
+      <pc:chgData name="Mathias Østergaard Hansen" userId="b7fcfced-beb2-45ad-a9ff-678f6b94dd21" providerId="ADAL" clId="{3CAEE8DF-CD62-4FF0-8235-A58B5840A0C5}" dt="2022-06-16T11:29:03.806" v="165" actId="20577"/>
+      <pc:docMkLst>
+        <pc:docMk/>
+      </pc:docMkLst>
+      <pc:sldChg chg="modNotesTx">
+        <pc:chgData name="Mathias Østergaard Hansen" userId="b7fcfced-beb2-45ad-a9ff-678f6b94dd21" providerId="ADAL" clId="{3CAEE8DF-CD62-4FF0-8235-A58B5840A0C5}" dt="2022-06-16T11:29:03.806" v="165" actId="20577"/>
+        <pc:sldMkLst>
+          <pc:docMk/>
+          <pc:sldMk cId="3625180031" sldId="275"/>
+        </pc:sldMkLst>
+      </pc:sldChg>
+    </pc:docChg>
+  </pc:docChgLst>
   <pc:docChgLst>
     <pc:chgData name="Mathias Østergaard" userId="a5d1e7bd90b8f6c9" providerId="LiveId" clId="{7F6AA87F-2719-4F4F-AE1C-C2661332DAC4}"/>
     <pc:docChg chg="undo custSel addSld delSld modSld">
@@ -4756,6 +4772,142 @@
 </p:notes>
 </file>
 
+<file path=ppt/notesSlides/notesSlide6.xml><?xml version="1.0" encoding="utf-8"?>
+<p:notes xmlns:a="http://schemas.openxmlformats.org/drawingml/2006/main" xmlns:r="http://schemas.openxmlformats.org/officeDocument/2006/relationships" xmlns:p="http://schemas.openxmlformats.org/presentationml/2006/main">
+  <p:cSld>
+    <p:spTree>
+      <p:nvGrpSpPr>
+        <p:cNvPr id="1" name=""/>
+        <p:cNvGrpSpPr/>
+        <p:nvPr/>
+      </p:nvGrpSpPr>
+      <p:grpSpPr>
+        <a:xfrm>
+          <a:off x="0" y="0"/>
+          <a:ext cx="0" cy="0"/>
+          <a:chOff x="0" y="0"/>
+          <a:chExt cx="0" cy="0"/>
+        </a:xfrm>
+      </p:grpSpPr>
+      <p:sp>
+        <p:nvSpPr>
+          <p:cNvPr id="2" name="Pladsholder til slidebillede 1"/>
+          <p:cNvSpPr>
+            <a:spLocks noGrp="1" noRot="1" noChangeAspect="1"/>
+          </p:cNvSpPr>
+          <p:nvPr>
+            <p:ph type="sldImg"/>
+          </p:nvPr>
+        </p:nvSpPr>
+        <p:spPr/>
+      </p:sp>
+      <p:sp>
+        <p:nvSpPr>
+          <p:cNvPr id="3" name="Pladsholder til noter 2"/>
+          <p:cNvSpPr>
+            <a:spLocks noGrp="1"/>
+          </p:cNvSpPr>
+          <p:nvPr>
+            <p:ph type="body" idx="1"/>
+          </p:nvPr>
+        </p:nvSpPr>
+        <p:spPr/>
+        <p:txBody>
+          <a:bodyPr/>
+          <a:lstStyle/>
+          <a:p>
+            <a:r>
+              <a:rPr lang="da-DK" dirty="0"/>
+              <a:t>Læg mere kræft på mine valg</a:t>
+            </a:r>
+          </a:p>
+          <a:p>
+            <a:r>
+              <a:rPr lang="da-DK" dirty="0"/>
+              <a:t>Valg af data</a:t>
+            </a:r>
+          </a:p>
+          <a:p>
+            <a:r>
+              <a:rPr lang="da-DK" dirty="0"/>
+              <a:t>Time til time</a:t>
+            </a:r>
+          </a:p>
+          <a:p>
+            <a:r>
+              <a:rPr lang="da-DK" dirty="0"/>
+              <a:t>Overfitting</a:t>
+            </a:r>
+          </a:p>
+          <a:p>
+            <a:r>
+              <a:rPr lang="da-DK" dirty="0"/>
+              <a:t>Agenda/emner </a:t>
+            </a:r>
+          </a:p>
+          <a:p>
+            <a:r>
+              <a:rPr lang="da-DK" dirty="0"/>
+              <a:t>Største </a:t>
+            </a:r>
+            <a:r>
+              <a:rPr lang="da-DK" dirty="0" err="1"/>
+              <a:t>take-away</a:t>
+            </a:r>
+            <a:endParaRPr lang="da-DK" dirty="0"/>
+          </a:p>
+          <a:p>
+            <a:r>
+              <a:rPr lang="da-DK" dirty="0"/>
+              <a:t>Hvis jeg startede forfra, </a:t>
+            </a:r>
+            <a:r>
+              <a:rPr lang="da-DK" dirty="0" err="1"/>
+              <a:t>havd</a:t>
+            </a:r>
+            <a:r>
+              <a:rPr lang="da-DK"/>
+              <a:t> ville jeg så?</a:t>
+            </a:r>
+          </a:p>
+        </p:txBody>
+      </p:sp>
+      <p:sp>
+        <p:nvSpPr>
+          <p:cNvPr id="4" name="Pladsholder til slidenummer 3"/>
+          <p:cNvSpPr>
+            <a:spLocks noGrp="1"/>
+          </p:cNvSpPr>
+          <p:nvPr>
+            <p:ph type="sldNum" sz="quarter" idx="5"/>
+          </p:nvPr>
+        </p:nvSpPr>
+        <p:spPr/>
+        <p:txBody>
+          <a:bodyPr/>
+          <a:lstStyle/>
+          <a:p>
+            <a:fld id="{429920BF-1F0D-4EA5-A8AF-C0C2AA4AF747}" type="slidenum">
+              <a:rPr lang="da-DK" smtClean="0"/>
+              <a:t>20</a:t>
+            </a:fld>
+            <a:endParaRPr lang="da-DK"/>
+          </a:p>
+        </p:txBody>
+      </p:sp>
+    </p:spTree>
+    <p:extLst>
+      <p:ext uri="{BB962C8B-B14F-4D97-AF65-F5344CB8AC3E}">
+        <p14:creationId xmlns:p14="http://schemas.microsoft.com/office/powerpoint/2010/main" val="2353216708"/>
+      </p:ext>
+    </p:extLst>
+  </p:cSld>
+  <p:clrMapOvr>
+    <a:masterClrMapping/>
+  </p:clrMapOvr>
+</p:notes>
+</file>
+
 <file path=ppt/slideLayouts/slideLayout1.xml><?xml version="1.0" encoding="utf-8"?>
 <p:sldLayout xmlns:a="http://schemas.openxmlformats.org/drawingml/2006/main" xmlns:r="http://schemas.openxmlformats.org/officeDocument/2006/relationships" xmlns:p="http://schemas.openxmlformats.org/presentationml/2006/main" showMasterSp="0" type="title" preserve="1">
   <p:cSld name="Titelslide">
